--- a/slide.pptx
+++ b/slide.pptx
@@ -13,12 +13,19 @@
     <p:sldId id="312" r:id="rId5"/>
     <p:sldId id="315" r:id="rId7"/>
     <p:sldId id="321" r:id="rId8"/>
-    <p:sldId id="329" r:id="rId9"/>
-    <p:sldId id="339" r:id="rId10"/>
-    <p:sldId id="280" r:id="rId11"/>
+    <p:sldId id="343" r:id="rId9"/>
+    <p:sldId id="329" r:id="rId10"/>
+    <p:sldId id="344" r:id="rId11"/>
+    <p:sldId id="345" r:id="rId12"/>
+    <p:sldId id="349" r:id="rId13"/>
+    <p:sldId id="351" r:id="rId14"/>
+    <p:sldId id="280" r:id="rId15"/>
   </p:sldIdLst>
   <p:sldSz cx="12192000" cy="6858000"/>
   <p:notesSz cx="6858000" cy="9144000"/>
+  <p:custDataLst>
+    <p:tags r:id="rId20"/>
+  </p:custDataLst>
   <p:defaultTextStyle>
     <a:defPPr>
       <a:defRPr lang="en-US"/>
@@ -5631,6 +5638,162 @@
 </p:notes>
 </file>
 
+<file path=ppt/notesSlides/notesSlide5.xml><?xml version="1.0" encoding="utf-8"?>
+<p:notes xmlns:a="http://schemas.openxmlformats.org/drawingml/2006/main" xmlns:r="http://schemas.openxmlformats.org/officeDocument/2006/relationships" xmlns:p="http://schemas.openxmlformats.org/presentationml/2006/main">
+  <p:cSld>
+    <p:spTree>
+      <p:nvGrpSpPr>
+        <p:cNvPr id="1" name=""/>
+        <p:cNvGrpSpPr/>
+        <p:nvPr/>
+      </p:nvGrpSpPr>
+      <p:grpSpPr>
+        <a:xfrm>
+          <a:off x="0" y="0"/>
+          <a:ext cx="0" cy="0"/>
+          <a:chOff x="0" y="0"/>
+          <a:chExt cx="0" cy="0"/>
+        </a:xfrm>
+      </p:grpSpPr>
+      <p:sp>
+        <p:nvSpPr>
+          <p:cNvPr id="2" name="幻灯片图像占位符 1"/>
+          <p:cNvSpPr>
+            <a:spLocks noGrp="1" noRot="1" noChangeAspect="1"/>
+          </p:cNvSpPr>
+          <p:nvPr>
+            <p:ph type="sldImg"/>
+          </p:nvPr>
+        </p:nvSpPr>
+        <p:spPr/>
+      </p:sp>
+      <p:sp>
+        <p:nvSpPr>
+          <p:cNvPr id="3" name="备注占位符 2"/>
+          <p:cNvSpPr>
+            <a:spLocks noGrp="1"/>
+          </p:cNvSpPr>
+          <p:nvPr>
+            <p:ph type="body" idx="1"/>
+          </p:nvPr>
+        </p:nvSpPr>
+        <p:spPr/>
+        <p:txBody>
+          <a:bodyPr/>
+          <a:lstStyle/>
+          <a:p>
+            <a:endParaRPr lang="en-US" dirty="0"/>
+          </a:p>
+        </p:txBody>
+      </p:sp>
+      <p:sp>
+        <p:nvSpPr>
+          <p:cNvPr id="4" name="灯片编号占位符 3"/>
+          <p:cNvSpPr>
+            <a:spLocks noGrp="1"/>
+          </p:cNvSpPr>
+          <p:nvPr>
+            <p:ph type="sldNum" sz="quarter" idx="5"/>
+          </p:nvPr>
+        </p:nvSpPr>
+        <p:spPr/>
+        <p:txBody>
+          <a:bodyPr/>
+          <a:lstStyle/>
+          <a:p>
+            <a:fld id="{85D0DACE-38E0-42D2-9336-2B707D34BC6D}" type="slidenum">
+              <a:rPr lang="en-US" smtClean="0"/>
+            </a:fld>
+            <a:endParaRPr lang="en-US"/>
+          </a:p>
+        </p:txBody>
+      </p:sp>
+    </p:spTree>
+  </p:cSld>
+  <p:clrMapOvr>
+    <a:masterClrMapping/>
+  </p:clrMapOvr>
+</p:notes>
+</file>
+
+<file path=ppt/notesSlides/notesSlide6.xml><?xml version="1.0" encoding="utf-8"?>
+<p:notes xmlns:a="http://schemas.openxmlformats.org/drawingml/2006/main" xmlns:r="http://schemas.openxmlformats.org/officeDocument/2006/relationships" xmlns:p="http://schemas.openxmlformats.org/presentationml/2006/main">
+  <p:cSld>
+    <p:spTree>
+      <p:nvGrpSpPr>
+        <p:cNvPr id="1" name=""/>
+        <p:cNvGrpSpPr/>
+        <p:nvPr/>
+      </p:nvGrpSpPr>
+      <p:grpSpPr>
+        <a:xfrm>
+          <a:off x="0" y="0"/>
+          <a:ext cx="0" cy="0"/>
+          <a:chOff x="0" y="0"/>
+          <a:chExt cx="0" cy="0"/>
+        </a:xfrm>
+      </p:grpSpPr>
+      <p:sp>
+        <p:nvSpPr>
+          <p:cNvPr id="2" name="幻灯片图像占位符 1"/>
+          <p:cNvSpPr>
+            <a:spLocks noGrp="1" noRot="1" noChangeAspect="1"/>
+          </p:cNvSpPr>
+          <p:nvPr>
+            <p:ph type="sldImg"/>
+          </p:nvPr>
+        </p:nvSpPr>
+        <p:spPr/>
+      </p:sp>
+      <p:sp>
+        <p:nvSpPr>
+          <p:cNvPr id="3" name="备注占位符 2"/>
+          <p:cNvSpPr>
+            <a:spLocks noGrp="1"/>
+          </p:cNvSpPr>
+          <p:nvPr>
+            <p:ph type="body" idx="1"/>
+          </p:nvPr>
+        </p:nvSpPr>
+        <p:spPr/>
+        <p:txBody>
+          <a:bodyPr/>
+          <a:lstStyle/>
+          <a:p>
+            <a:endParaRPr lang="en-US" dirty="0"/>
+          </a:p>
+        </p:txBody>
+      </p:sp>
+      <p:sp>
+        <p:nvSpPr>
+          <p:cNvPr id="4" name="灯片编号占位符 3"/>
+          <p:cNvSpPr>
+            <a:spLocks noGrp="1"/>
+          </p:cNvSpPr>
+          <p:nvPr>
+            <p:ph type="sldNum" sz="quarter" idx="5"/>
+          </p:nvPr>
+        </p:nvSpPr>
+        <p:spPr/>
+        <p:txBody>
+          <a:bodyPr/>
+          <a:lstStyle/>
+          <a:p>
+            <a:fld id="{85D0DACE-38E0-42D2-9336-2B707D34BC6D}" type="slidenum">
+              <a:rPr lang="en-US" smtClean="0"/>
+            </a:fld>
+            <a:endParaRPr lang="en-US"/>
+          </a:p>
+        </p:txBody>
+      </p:sp>
+    </p:spTree>
+  </p:cSld>
+  <p:clrMapOvr>
+    <a:masterClrMapping/>
+  </p:clrMapOvr>
+</p:notes>
+</file>
+
 <file path=ppt/slideLayouts/slideLayout1.xml><?xml version="1.0" encoding="utf-8"?>
 <p:sldLayout xmlns:a="http://schemas.openxmlformats.org/drawingml/2006/main" xmlns:r="http://schemas.openxmlformats.org/officeDocument/2006/relationships" xmlns:p="http://schemas.openxmlformats.org/presentationml/2006/main" type="title" preserve="1" showMasterSp="0">
   <p:cSld name="Title Slide">
@@ -11517,6 +11680,174 @@
           <a:lstStyle/>
           <a:p>
             <a:pPr algn="ctr"/>
+            <a:endParaRPr lang="en-US"/>
+          </a:p>
+        </p:txBody>
+      </p:sp>
+    </p:spTree>
+  </p:cSld>
+  <p:clrMapOvr>
+    <a:masterClrMapping/>
+  </p:clrMapOvr>
+</p:sldLayout>
+</file>
+
+<file path=ppt/slideLayouts/slideLayout25.xml><?xml version="1.0" encoding="utf-8"?>
+<p:sldLayout xmlns:a="http://schemas.openxmlformats.org/drawingml/2006/main" xmlns:r="http://schemas.openxmlformats.org/officeDocument/2006/relationships" xmlns:p="http://schemas.openxmlformats.org/presentationml/2006/main" type="tx" preserve="1">
+  <p:cSld name="Title and Text">
+    <p:spTree>
+      <p:nvGrpSpPr>
+        <p:cNvPr id="1" name=""/>
+        <p:cNvGrpSpPr/>
+        <p:nvPr/>
+      </p:nvGrpSpPr>
+      <p:grpSpPr>
+        <a:xfrm>
+          <a:off x="0" y="0"/>
+          <a:ext cx="0" cy="0"/>
+          <a:chOff x="0" y="0"/>
+          <a:chExt cx="0" cy="0"/>
+        </a:xfrm>
+      </p:grpSpPr>
+      <p:sp>
+        <p:nvSpPr>
+          <p:cNvPr id="2" name="Title 1"/>
+          <p:cNvSpPr>
+            <a:spLocks noGrp="1"/>
+          </p:cNvSpPr>
+          <p:nvPr>
+            <p:ph type="title"/>
+          </p:nvPr>
+        </p:nvSpPr>
+        <p:spPr/>
+        <p:txBody>
+          <a:bodyPr/>
+          <a:lstStyle/>
+          <a:p>
+            <a:r>
+              <a:rPr lang="en-US" smtClean="0"/>
+              <a:t>Click to edit Master title style</a:t>
+            </a:r>
+            <a:endParaRPr lang="en-US"/>
+          </a:p>
+        </p:txBody>
+      </p:sp>
+      <p:sp>
+        <p:nvSpPr>
+          <p:cNvPr id="3" name="Text Placeholder 2"/>
+          <p:cNvSpPr>
+            <a:spLocks noGrp="1"/>
+          </p:cNvSpPr>
+          <p:nvPr>
+            <p:ph type="body" idx="1"/>
+          </p:nvPr>
+        </p:nvSpPr>
+        <p:spPr/>
+        <p:txBody>
+          <a:bodyPr/>
+          <a:lstStyle/>
+          <a:p>
+            <a:pPr lvl="0"/>
+            <a:r>
+              <a:rPr lang="en-US" smtClean="0"/>
+              <a:t>Click to edit Master text styles</a:t>
+            </a:r>
+            <a:endParaRPr lang="en-US" smtClean="0"/>
+          </a:p>
+          <a:p>
+            <a:pPr lvl="1"/>
+            <a:r>
+              <a:rPr lang="en-US" smtClean="0"/>
+              <a:t>Second level</a:t>
+            </a:r>
+            <a:endParaRPr lang="en-US" smtClean="0"/>
+          </a:p>
+          <a:p>
+            <a:pPr lvl="2"/>
+            <a:r>
+              <a:rPr lang="en-US" smtClean="0"/>
+              <a:t>Third level</a:t>
+            </a:r>
+            <a:endParaRPr lang="en-US" smtClean="0"/>
+          </a:p>
+          <a:p>
+            <a:pPr lvl="3"/>
+            <a:r>
+              <a:rPr lang="en-US" smtClean="0"/>
+              <a:t>Fourth level</a:t>
+            </a:r>
+            <a:endParaRPr lang="en-US" smtClean="0"/>
+          </a:p>
+          <a:p>
+            <a:pPr lvl="4"/>
+            <a:r>
+              <a:rPr lang="en-US" smtClean="0"/>
+              <a:t>Fifth level</a:t>
+            </a:r>
+            <a:endParaRPr lang="en-US"/>
+          </a:p>
+        </p:txBody>
+      </p:sp>
+      <p:sp>
+        <p:nvSpPr>
+          <p:cNvPr id="4" name="Date Placeholder 3"/>
+          <p:cNvSpPr>
+            <a:spLocks noGrp="1"/>
+          </p:cNvSpPr>
+          <p:nvPr>
+            <p:ph type="dt" sz="half" idx="10"/>
+          </p:nvPr>
+        </p:nvSpPr>
+        <p:spPr/>
+        <p:txBody>
+          <a:bodyPr/>
+          <a:lstStyle/>
+          <a:p>
+            <a:r>
+              <a:rPr lang="en-US"/>
+              <a:t>Date Area</a:t>
+            </a:r>
+            <a:endParaRPr lang="en-US"/>
+          </a:p>
+        </p:txBody>
+      </p:sp>
+      <p:sp>
+        <p:nvSpPr>
+          <p:cNvPr id="5" name="Footer Placeholder 4"/>
+          <p:cNvSpPr>
+            <a:spLocks noGrp="1"/>
+          </p:cNvSpPr>
+          <p:nvPr>
+            <p:ph type="ftr" sz="quarter" idx="11"/>
+          </p:nvPr>
+        </p:nvSpPr>
+        <p:spPr/>
+        <p:txBody>
+          <a:bodyPr/>
+          <a:lstStyle/>
+          <a:p>
+            <a:endParaRPr lang="en-US" dirty="0"/>
+          </a:p>
+        </p:txBody>
+      </p:sp>
+      <p:sp>
+        <p:nvSpPr>
+          <p:cNvPr id="6" name="Slide Number Placeholder 5"/>
+          <p:cNvSpPr>
+            <a:spLocks noGrp="1"/>
+          </p:cNvSpPr>
+          <p:nvPr>
+            <p:ph type="sldNum" sz="quarter" idx="12"/>
+          </p:nvPr>
+        </p:nvSpPr>
+        <p:spPr/>
+        <p:txBody>
+          <a:bodyPr/>
+          <a:lstStyle/>
+          <a:p>
+            <a:fld id="{BE5F26B5-172A-4DC2-B0B7-181CFC56B87C}" type="slidenum">
+              <a:rPr lang="en-US" smtClean="0"/>
+            </a:fld>
             <a:endParaRPr lang="en-US"/>
           </a:p>
         </p:txBody>
@@ -14282,7 +14613,7 @@
           <p:cNvSpPr/>
           <p:nvPr userDrawn="1">
             <p:custDataLst>
-              <p:tags r:id="rId12"/>
+              <p:tags r:id="rId13"/>
             </p:custDataLst>
           </p:nvPr>
         </p:nvSpPr>
@@ -14334,7 +14665,7 @@
           <p:cNvSpPr/>
           <p:nvPr userDrawn="1">
             <p:custDataLst>
-              <p:tags r:id="rId13"/>
+              <p:tags r:id="rId14"/>
             </p:custDataLst>
           </p:nvPr>
         </p:nvSpPr>
@@ -14471,7 +14802,7 @@
           <p:cNvSpPr/>
           <p:nvPr userDrawn="1">
             <p:custDataLst>
-              <p:tags r:id="rId14"/>
+              <p:tags r:id="rId15"/>
             </p:custDataLst>
           </p:nvPr>
         </p:nvSpPr>
@@ -14611,7 +14942,7 @@
           <p:nvPr>
             <p:ph type="title"/>
             <p:custDataLst>
-              <p:tags r:id="rId15"/>
+              <p:tags r:id="rId16"/>
             </p:custDataLst>
           </p:nvPr>
         </p:nvSpPr>
@@ -14649,7 +14980,7 @@
           <p:nvPr>
             <p:ph type="body" idx="1"/>
             <p:custDataLst>
-              <p:tags r:id="rId16"/>
+              <p:tags r:id="rId17"/>
             </p:custDataLst>
           </p:nvPr>
         </p:nvSpPr>
@@ -14688,7 +15019,7 @@
           <p:nvPr>
             <p:ph type="dt" sz="half" idx="2"/>
             <p:custDataLst>
-              <p:tags r:id="rId17"/>
+              <p:tags r:id="rId18"/>
             </p:custDataLst>
           </p:nvPr>
         </p:nvSpPr>
@@ -14735,7 +15066,7 @@
           <p:nvPr>
             <p:ph type="ftr" sz="quarter" idx="3"/>
             <p:custDataLst>
-              <p:tags r:id="rId18"/>
+              <p:tags r:id="rId19"/>
             </p:custDataLst>
           </p:nvPr>
         </p:nvSpPr>
@@ -14778,7 +15109,7 @@
           <p:nvPr>
             <p:ph type="sldNum" sz="quarter" idx="4"/>
             <p:custDataLst>
-              <p:tags r:id="rId19"/>
+              <p:tags r:id="rId20"/>
             </p:custDataLst>
           </p:nvPr>
         </p:nvSpPr>
@@ -14821,7 +15152,7 @@
           <p:cNvSpPr/>
           <p:nvPr userDrawn="1">
             <p:custDataLst>
-              <p:tags r:id="rId20"/>
+              <p:tags r:id="rId21"/>
             </p:custDataLst>
           </p:nvPr>
         </p:nvSpPr>
@@ -14873,6 +15204,7 @@
     <p:sldLayoutId id="2147483671" r:id="rId9"/>
     <p:sldLayoutId id="2147483672" r:id="rId10"/>
     <p:sldLayoutId id="2147483673" r:id="rId11"/>
+    <p:sldLayoutId id="2147483674" r:id="rId12"/>
   </p:sldLayoutIdLst>
   <p:txStyles>
     <p:titleStyle>
@@ -15658,6 +15990,702 @@
 </p:sld>
 </file>
 
+<file path=ppt/slides/slide10.xml><?xml version="1.0" encoding="utf-8"?>
+<p:sld xmlns:a="http://schemas.openxmlformats.org/drawingml/2006/main" xmlns:r="http://schemas.openxmlformats.org/officeDocument/2006/relationships" xmlns:p="http://schemas.openxmlformats.org/presentationml/2006/main">
+  <p:cSld>
+    <p:spTree>
+      <p:nvGrpSpPr>
+        <p:cNvPr id="1" name=""/>
+        <p:cNvGrpSpPr/>
+        <p:nvPr/>
+      </p:nvGrpSpPr>
+      <p:grpSpPr/>
+      <p:sp>
+        <p:nvSpPr>
+          <p:cNvPr id="32" name="对象3"/>
+          <p:cNvSpPr/>
+          <p:nvPr>
+            <p:custDataLst>
+              <p:tags r:id="rId1"/>
+            </p:custDataLst>
+          </p:nvPr>
+        </p:nvSpPr>
+        <p:spPr>
+          <a:xfrm>
+            <a:off x="754698" y="2008823"/>
+            <a:ext cx="2779776" cy="2779776"/>
+          </a:xfrm>
+          <a:custGeom>
+            <a:avLst/>
+            <a:gdLst/>
+            <a:ahLst/>
+            <a:cxnLst/>
+            <a:rect l="l" t="t" r="r" b="b"/>
+            <a:pathLst>
+              <a:path w="2779776" h="2779776">
+                <a:moveTo>
+                  <a:pt x="2779776" y="1389888"/>
+                </a:moveTo>
+                <a:cubicBezTo>
+                  <a:pt x="2779776" y="2157984"/>
+                  <a:pt x="2157984" y="2779776"/>
+                  <a:pt x="1389888" y="2779776"/>
+                </a:cubicBezTo>
+                <a:cubicBezTo>
+                  <a:pt x="621792" y="2779776"/>
+                  <a:pt x="0" y="2157984"/>
+                  <a:pt x="0" y="1389888"/>
+                </a:cubicBezTo>
+                <a:cubicBezTo>
+                  <a:pt x="0" y="621792"/>
+                  <a:pt x="621792" y="0"/>
+                  <a:pt x="1389888" y="0"/>
+                </a:cubicBezTo>
+                <a:cubicBezTo>
+                  <a:pt x="2157984" y="0"/>
+                  <a:pt x="2779776" y="621792"/>
+                  <a:pt x="2779776" y="1389888"/>
+                </a:cubicBezTo>
+              </a:path>
+            </a:pathLst>
+          </a:custGeom>
+          <a:solidFill>
+            <a:schemeClr val="accent1">
+              <a:lumMod val="60000"/>
+              <a:lumOff val="40000"/>
+              <a:alpha val="20000"/>
+            </a:schemeClr>
+          </a:solidFill>
+          <a:ln w="12700">
+            <a:noFill/>
+          </a:ln>
+          <a:effectLst/>
+        </p:spPr>
+        <p:style>
+          <a:lnRef idx="2">
+            <a:schemeClr val="accent1">
+              <a:lumMod val="75000"/>
+            </a:schemeClr>
+          </a:lnRef>
+          <a:fillRef idx="1">
+            <a:schemeClr val="accent1"/>
+          </a:fillRef>
+          <a:effectRef idx="0">
+            <a:srgbClr val="FFFFFF"/>
+          </a:effectRef>
+          <a:fontRef idx="minor">
+            <a:schemeClr val="lt1"/>
+          </a:fontRef>
+        </p:style>
+        <p:txBody>
+          <a:bodyPr/>
+          <a:p>
+            <a:endParaRPr lang="en-US">
+              <a:latin typeface="Arial" panose="020B0604020202020204" pitchFamily="34" charset="0"/>
+              <a:sym typeface="Arial" panose="020B0604020202020204" pitchFamily="34" charset="0"/>
+            </a:endParaRPr>
+          </a:p>
+        </p:txBody>
+      </p:sp>
+      <p:sp>
+        <p:nvSpPr>
+          <p:cNvPr id="14" name="椭圆 2"/>
+          <p:cNvSpPr/>
+          <p:nvPr>
+            <p:custDataLst>
+              <p:tags r:id="rId2"/>
+            </p:custDataLst>
+          </p:nvPr>
+        </p:nvSpPr>
+        <p:spPr>
+          <a:xfrm>
+            <a:off x="4279583" y="1606868"/>
+            <a:ext cx="630000" cy="630000"/>
+          </a:xfrm>
+          <a:prstGeom prst="ellipse">
+            <a:avLst/>
+          </a:prstGeom>
+          <a:solidFill>
+            <a:schemeClr val="accent1"/>
+          </a:solidFill>
+          <a:ln w="12700">
+            <a:noFill/>
+          </a:ln>
+          <a:effectLst/>
+        </p:spPr>
+        <p:style>
+          <a:lnRef idx="2">
+            <a:schemeClr val="accent1">
+              <a:lumMod val="75000"/>
+            </a:schemeClr>
+          </a:lnRef>
+          <a:fillRef idx="1">
+            <a:schemeClr val="accent1"/>
+          </a:fillRef>
+          <a:effectRef idx="0">
+            <a:srgbClr val="FFFFFF"/>
+          </a:effectRef>
+          <a:fontRef idx="minor">
+            <a:schemeClr val="lt1"/>
+          </a:fontRef>
+        </p:style>
+        <p:txBody>
+          <a:bodyPr wrap="none" lIns="0" tIns="0" rIns="0" bIns="0" rtlCol="0" anchor="ctr">
+            <a:noAutofit/>
+          </a:bodyPr>
+          <a:p>
+            <a:pPr algn="ctr">
+              <a:spcBef>
+                <a:spcPct val="0"/>
+              </a:spcBef>
+              <a:spcAft>
+                <a:spcPct val="0"/>
+              </a:spcAft>
+            </a:pPr>
+            <a:r>
+              <a:rPr lang="en-US" sz="2400" dirty="0">
+                <a:solidFill>
+                  <a:schemeClr val="lt1">
+                    <a:lumMod val="100000"/>
+                  </a:schemeClr>
+                </a:solidFill>
+                <a:latin typeface="+mn-lt"/>
+              </a:rPr>
+              <a:t>01</a:t>
+            </a:r>
+            <a:endParaRPr lang="en-US" sz="2400" dirty="0">
+              <a:solidFill>
+                <a:schemeClr val="lt1">
+                  <a:lumMod val="100000"/>
+                </a:schemeClr>
+              </a:solidFill>
+              <a:latin typeface="+mn-ea"/>
+            </a:endParaRPr>
+          </a:p>
+        </p:txBody>
+      </p:sp>
+      <p:sp>
+        <p:nvSpPr>
+          <p:cNvPr id="15" name="椭圆 5"/>
+          <p:cNvSpPr/>
+          <p:nvPr>
+            <p:custDataLst>
+              <p:tags r:id="rId3"/>
+            </p:custDataLst>
+          </p:nvPr>
+        </p:nvSpPr>
+        <p:spPr>
+          <a:xfrm>
+            <a:off x="4279583" y="3092768"/>
+            <a:ext cx="630000" cy="630000"/>
+          </a:xfrm>
+          <a:prstGeom prst="ellipse">
+            <a:avLst/>
+          </a:prstGeom>
+          <a:solidFill>
+            <a:schemeClr val="accent1"/>
+          </a:solidFill>
+          <a:ln w="12700">
+            <a:noFill/>
+          </a:ln>
+          <a:effectLst/>
+        </p:spPr>
+        <p:style>
+          <a:lnRef idx="2">
+            <a:schemeClr val="accent1">
+              <a:lumMod val="75000"/>
+            </a:schemeClr>
+          </a:lnRef>
+          <a:fillRef idx="1">
+            <a:schemeClr val="accent1"/>
+          </a:fillRef>
+          <a:effectRef idx="0">
+            <a:srgbClr val="FFFFFF"/>
+          </a:effectRef>
+          <a:fontRef idx="minor">
+            <a:schemeClr val="lt1"/>
+          </a:fontRef>
+        </p:style>
+        <p:txBody>
+          <a:bodyPr wrap="none" lIns="0" tIns="0" rIns="0" bIns="0" rtlCol="0" anchor="ctr">
+            <a:noAutofit/>
+          </a:bodyPr>
+          <a:p>
+            <a:pPr algn="ctr">
+              <a:spcBef>
+                <a:spcPct val="0"/>
+              </a:spcBef>
+              <a:spcAft>
+                <a:spcPct val="0"/>
+              </a:spcAft>
+            </a:pPr>
+            <a:r>
+              <a:rPr lang="en-US" sz="2400">
+                <a:solidFill>
+                  <a:schemeClr val="lt1">
+                    <a:lumMod val="100000"/>
+                  </a:schemeClr>
+                </a:solidFill>
+                <a:latin typeface="+mn-lt"/>
+              </a:rPr>
+              <a:t>02</a:t>
+            </a:r>
+            <a:endParaRPr lang="en-US" sz="2400">
+              <a:solidFill>
+                <a:schemeClr val="lt1">
+                  <a:lumMod val="100000"/>
+                </a:schemeClr>
+              </a:solidFill>
+              <a:latin typeface="+mn-ea"/>
+            </a:endParaRPr>
+          </a:p>
+        </p:txBody>
+      </p:sp>
+      <p:sp>
+        <p:nvSpPr>
+          <p:cNvPr id="17" name="椭圆 6"/>
+          <p:cNvSpPr/>
+          <p:nvPr>
+            <p:custDataLst>
+              <p:tags r:id="rId4"/>
+            </p:custDataLst>
+          </p:nvPr>
+        </p:nvSpPr>
+        <p:spPr>
+          <a:xfrm>
+            <a:off x="4279583" y="4569143"/>
+            <a:ext cx="630000" cy="630000"/>
+          </a:xfrm>
+          <a:prstGeom prst="ellipse">
+            <a:avLst/>
+          </a:prstGeom>
+          <a:solidFill>
+            <a:schemeClr val="accent1"/>
+          </a:solidFill>
+          <a:ln w="12700">
+            <a:noFill/>
+          </a:ln>
+          <a:effectLst/>
+        </p:spPr>
+        <p:style>
+          <a:lnRef idx="2">
+            <a:schemeClr val="accent1">
+              <a:lumMod val="75000"/>
+            </a:schemeClr>
+          </a:lnRef>
+          <a:fillRef idx="1">
+            <a:schemeClr val="accent1"/>
+          </a:fillRef>
+          <a:effectRef idx="0">
+            <a:srgbClr val="FFFFFF"/>
+          </a:effectRef>
+          <a:fontRef idx="minor">
+            <a:schemeClr val="lt1"/>
+          </a:fontRef>
+        </p:style>
+        <p:txBody>
+          <a:bodyPr wrap="none" lIns="0" tIns="0" rIns="0" bIns="0" rtlCol="0" anchor="ctr">
+            <a:noAutofit/>
+          </a:bodyPr>
+          <a:p>
+            <a:pPr algn="ctr">
+              <a:spcBef>
+                <a:spcPct val="0"/>
+              </a:spcBef>
+              <a:spcAft>
+                <a:spcPct val="0"/>
+              </a:spcAft>
+            </a:pPr>
+            <a:r>
+              <a:rPr lang="en-US" sz="2400">
+                <a:solidFill>
+                  <a:schemeClr val="lt1">
+                    <a:lumMod val="100000"/>
+                  </a:schemeClr>
+                </a:solidFill>
+                <a:latin typeface="+mn-lt"/>
+              </a:rPr>
+              <a:t>03</a:t>
+            </a:r>
+            <a:endParaRPr lang="en-US" sz="2400">
+              <a:solidFill>
+                <a:schemeClr val="lt1">
+                  <a:lumMod val="100000"/>
+                </a:schemeClr>
+              </a:solidFill>
+              <a:latin typeface="+mn-ea"/>
+            </a:endParaRPr>
+          </a:p>
+        </p:txBody>
+      </p:sp>
+      <p:sp>
+        <p:nvSpPr>
+          <p:cNvPr id="19" name="对象11"/>
+          <p:cNvSpPr/>
+          <p:nvPr>
+            <p:custDataLst>
+              <p:tags r:id="rId5"/>
+            </p:custDataLst>
+          </p:nvPr>
+        </p:nvSpPr>
+        <p:spPr>
+          <a:xfrm>
+            <a:off x="987108" y="2236788"/>
+            <a:ext cx="2314800" cy="2314800"/>
+          </a:xfrm>
+          <a:prstGeom prst="ellipse">
+            <a:avLst/>
+          </a:prstGeom>
+          <a:solidFill>
+            <a:schemeClr val="accent1"/>
+          </a:solidFill>
+          <a:ln w="12700">
+            <a:noFill/>
+          </a:ln>
+          <a:effectLst/>
+        </p:spPr>
+        <p:style>
+          <a:lnRef idx="2">
+            <a:schemeClr val="accent1">
+              <a:lumMod val="75000"/>
+            </a:schemeClr>
+          </a:lnRef>
+          <a:fillRef idx="1">
+            <a:schemeClr val="accent1"/>
+          </a:fillRef>
+          <a:effectRef idx="0">
+            <a:srgbClr val="FFFFFF"/>
+          </a:effectRef>
+          <a:fontRef idx="minor">
+            <a:schemeClr val="lt1"/>
+          </a:fontRef>
+        </p:style>
+        <p:txBody>
+          <a:bodyPr vertOverflow="overflow" horzOverflow="overflow" vert="horz" wrap="square" lIns="0" tIns="0" rIns="0" bIns="0" numCol="1" spcCol="0" rtlCol="0" fromWordArt="0" anchor="ctr" anchorCtr="0" forceAA="0" compatLnSpc="1">
+            <a:normAutofit/>
+          </a:bodyPr>
+          <a:p>
+            <a:pPr algn="ctr">
+              <a:spcBef>
+                <a:spcPct val="0"/>
+              </a:spcBef>
+              <a:spcAft>
+                <a:spcPct val="0"/>
+              </a:spcAft>
+            </a:pPr>
+            <a:r>
+              <a:rPr lang="vi-VN" altLang="en-US" sz="2700" dirty="0">
+                <a:solidFill>
+                  <a:schemeClr val="lt1">
+                    <a:lumMod val="100000"/>
+                  </a:schemeClr>
+                </a:solidFill>
+                <a:latin typeface="Times New Roman" panose="02020603050405020304" pitchFamily="18" charset="0"/>
+                <a:cs typeface="Times New Roman" panose="02020603050405020304" pitchFamily="18" charset="0"/>
+                <a:sym typeface="+mn-ea"/>
+              </a:rPr>
+              <a:t>Hướng phát triển</a:t>
+            </a:r>
+            <a:endParaRPr lang="vi-VN" altLang="en-US" sz="2700" dirty="0">
+              <a:solidFill>
+                <a:schemeClr val="lt1">
+                  <a:lumMod val="100000"/>
+                </a:schemeClr>
+              </a:solidFill>
+              <a:latin typeface="Times New Roman" panose="02020603050405020304" pitchFamily="18" charset="0"/>
+              <a:cs typeface="Times New Roman" panose="02020603050405020304" pitchFamily="18" charset="0"/>
+              <a:sym typeface="+mn-ea"/>
+            </a:endParaRPr>
+          </a:p>
+        </p:txBody>
+      </p:sp>
+      <p:sp>
+        <p:nvSpPr>
+          <p:cNvPr id="20" name="矩形 11"/>
+          <p:cNvSpPr/>
+          <p:nvPr>
+            <p:custDataLst>
+              <p:tags r:id="rId6"/>
+            </p:custDataLst>
+          </p:nvPr>
+        </p:nvSpPr>
+        <p:spPr>
+          <a:xfrm>
+            <a:off x="5138738" y="1574483"/>
+            <a:ext cx="6299020" cy="738505"/>
+          </a:xfrm>
+          <a:prstGeom prst="rect">
+            <a:avLst/>
+          </a:prstGeom>
+          <a:noFill/>
+        </p:spPr>
+        <p:txBody>
+          <a:bodyPr wrap="square" lIns="0" tIns="0" rIns="0" bIns="0" rtlCol="0" anchor="ctr" anchorCtr="0">
+            <a:normAutofit fontScale="60000"/>
+          </a:bodyPr>
+          <a:p>
+            <a:pPr>
+              <a:lnSpc>
+                <a:spcPct val="150000"/>
+              </a:lnSpc>
+              <a:spcBef>
+                <a:spcPct val="0"/>
+              </a:spcBef>
+              <a:spcAft>
+                <a:spcPct val="0"/>
+              </a:spcAft>
+            </a:pPr>
+            <a:endParaRPr lang="vi-VN" altLang="en-US" sz="2000" kern="100" dirty="0">
+              <a:solidFill>
+                <a:srgbClr val="333333"/>
+              </a:solidFill>
+              <a:effectLst/>
+              <a:latin typeface="Times New Roman" panose="02020603050405020304" pitchFamily="18" charset="0"/>
+              <a:cs typeface="Times New Roman" panose="02020603050405020304" pitchFamily="18" charset="0"/>
+              <a:sym typeface="+mn-ea"/>
+            </a:endParaRPr>
+          </a:p>
+          <a:p>
+            <a:pPr>
+              <a:lnSpc>
+                <a:spcPct val="150000"/>
+              </a:lnSpc>
+              <a:spcBef>
+                <a:spcPct val="0"/>
+              </a:spcBef>
+              <a:spcAft>
+                <a:spcPct val="0"/>
+              </a:spcAft>
+            </a:pPr>
+            <a:r>
+              <a:rPr lang="vi-VN" altLang="en-US" sz="2855" kern="100" dirty="0">
+                <a:solidFill>
+                  <a:srgbClr val="333333"/>
+                </a:solidFill>
+                <a:effectLst/>
+                <a:latin typeface="Times New Roman" panose="02020603050405020304" pitchFamily="18" charset="0"/>
+                <a:cs typeface="Times New Roman" panose="02020603050405020304" pitchFamily="18" charset="0"/>
+                <a:sym typeface="+mn-ea"/>
+              </a:rPr>
+              <a:t>Tích hợp tự động báo cáo vấn đề</a:t>
+            </a:r>
+            <a:endParaRPr lang="vi-VN" altLang="en-US" sz="2855" kern="100" dirty="0">
+              <a:solidFill>
+                <a:srgbClr val="333333"/>
+              </a:solidFill>
+              <a:effectLst/>
+              <a:latin typeface="Times New Roman" panose="02020603050405020304" pitchFamily="18" charset="0"/>
+              <a:cs typeface="Times New Roman" panose="02020603050405020304" pitchFamily="18" charset="0"/>
+            </a:endParaRPr>
+          </a:p>
+          <a:p>
+            <a:pPr>
+              <a:lnSpc>
+                <a:spcPct val="150000"/>
+              </a:lnSpc>
+              <a:spcBef>
+                <a:spcPct val="0"/>
+              </a:spcBef>
+              <a:spcAft>
+                <a:spcPct val="0"/>
+              </a:spcAft>
+            </a:pPr>
+            <a:endParaRPr lang="en-US" sz="2855" dirty="0">
+              <a:solidFill>
+                <a:schemeClr val="tx1">
+                  <a:lumMod val="85000"/>
+                  <a:lumOff val="15000"/>
+                </a:schemeClr>
+              </a:solidFill>
+              <a:latin typeface="+mn-lt"/>
+            </a:endParaRPr>
+          </a:p>
+        </p:txBody>
+      </p:sp>
+      <p:sp>
+        <p:nvSpPr>
+          <p:cNvPr id="21" name="矩形 12"/>
+          <p:cNvSpPr/>
+          <p:nvPr>
+            <p:custDataLst>
+              <p:tags r:id="rId7"/>
+            </p:custDataLst>
+          </p:nvPr>
+        </p:nvSpPr>
+        <p:spPr>
+          <a:xfrm>
+            <a:off x="5138738" y="3050858"/>
+            <a:ext cx="6299020" cy="738505"/>
+          </a:xfrm>
+          <a:prstGeom prst="rect">
+            <a:avLst/>
+          </a:prstGeom>
+          <a:noFill/>
+        </p:spPr>
+        <p:txBody>
+          <a:bodyPr wrap="square" lIns="0" tIns="0" rIns="0" bIns="0" rtlCol="0" anchor="ctr">
+            <a:normAutofit/>
+          </a:bodyPr>
+          <a:p>
+            <a:pPr>
+              <a:lnSpc>
+                <a:spcPct val="150000"/>
+              </a:lnSpc>
+              <a:spcBef>
+                <a:spcPct val="0"/>
+              </a:spcBef>
+              <a:spcAft>
+                <a:spcPct val="0"/>
+              </a:spcAft>
+            </a:pPr>
+            <a:r>
+              <a:rPr lang="vi-VN" altLang="en-US" sz="2000">
+                <a:solidFill>
+                  <a:schemeClr val="tx1">
+                    <a:lumMod val="85000"/>
+                    <a:lumOff val="15000"/>
+                  </a:schemeClr>
+                </a:solidFill>
+                <a:latin typeface="Times New Roman" panose="02020603050405020304" pitchFamily="18" charset="0"/>
+                <a:cs typeface="Times New Roman" panose="02020603050405020304" pitchFamily="18" charset="0"/>
+              </a:rPr>
+              <a:t>Nâng cao trải nghiệm người dùng</a:t>
+            </a:r>
+            <a:endParaRPr lang="vi-VN" altLang="en-US" sz="2000">
+              <a:solidFill>
+                <a:schemeClr val="tx1">
+                  <a:lumMod val="85000"/>
+                  <a:lumOff val="15000"/>
+                </a:schemeClr>
+              </a:solidFill>
+              <a:latin typeface="Times New Roman" panose="02020603050405020304" pitchFamily="18" charset="0"/>
+              <a:cs typeface="Times New Roman" panose="02020603050405020304" pitchFamily="18" charset="0"/>
+            </a:endParaRPr>
+          </a:p>
+        </p:txBody>
+      </p:sp>
+      <p:sp>
+        <p:nvSpPr>
+          <p:cNvPr id="25" name="矩形 13"/>
+          <p:cNvSpPr/>
+          <p:nvPr>
+            <p:custDataLst>
+              <p:tags r:id="rId8"/>
+            </p:custDataLst>
+          </p:nvPr>
+        </p:nvSpPr>
+        <p:spPr>
+          <a:xfrm>
+            <a:off x="5138738" y="4546283"/>
+            <a:ext cx="6299020" cy="738505"/>
+          </a:xfrm>
+          <a:prstGeom prst="rect">
+            <a:avLst/>
+          </a:prstGeom>
+          <a:noFill/>
+        </p:spPr>
+        <p:txBody>
+          <a:bodyPr wrap="square" lIns="0" tIns="0" rIns="0" bIns="0" rtlCol="0" anchor="ctr">
+            <a:normAutofit/>
+          </a:bodyPr>
+          <a:p>
+            <a:pPr>
+              <a:lnSpc>
+                <a:spcPct val="150000"/>
+              </a:lnSpc>
+              <a:spcBef>
+                <a:spcPct val="0"/>
+              </a:spcBef>
+              <a:spcAft>
+                <a:spcPct val="0"/>
+              </a:spcAft>
+            </a:pPr>
+            <a:r>
+              <a:rPr lang="vi-VN" altLang="en-US" sz="2000">
+                <a:solidFill>
+                  <a:schemeClr val="tx1">
+                    <a:lumMod val="85000"/>
+                    <a:lumOff val="15000"/>
+                  </a:schemeClr>
+                </a:solidFill>
+                <a:latin typeface="Times New Roman" panose="02020603050405020304" pitchFamily="18" charset="0"/>
+                <a:cs typeface="Times New Roman" panose="02020603050405020304" pitchFamily="18" charset="0"/>
+              </a:rPr>
+              <a:t>Xây dựng hệ thống trên các nền tảng khác</a:t>
+            </a:r>
+            <a:endParaRPr lang="vi-VN" altLang="en-US" sz="2000">
+              <a:solidFill>
+                <a:schemeClr val="tx1">
+                  <a:lumMod val="85000"/>
+                  <a:lumOff val="15000"/>
+                </a:schemeClr>
+              </a:solidFill>
+              <a:latin typeface="Times New Roman" panose="02020603050405020304" pitchFamily="18" charset="0"/>
+              <a:cs typeface="Times New Roman" panose="02020603050405020304" pitchFamily="18" charset="0"/>
+            </a:endParaRPr>
+          </a:p>
+        </p:txBody>
+      </p:sp>
+    </p:spTree>
+    <p:custDataLst>
+      <p:tags r:id="rId9"/>
+    </p:custDataLst>
+  </p:cSld>
+  <p:clrMapOvr>
+    <a:masterClrMapping/>
+  </p:clrMapOvr>
+</p:sld>
+</file>
+
+<file path=ppt/slides/slide11.xml><?xml version="1.0" encoding="utf-8"?>
+<p:sld xmlns:a="http://schemas.openxmlformats.org/drawingml/2006/main" xmlns:r="http://schemas.openxmlformats.org/officeDocument/2006/relationships" xmlns:p="http://schemas.openxmlformats.org/presentationml/2006/main">
+  <p:cSld>
+    <p:spTree>
+      <p:nvGrpSpPr>
+        <p:cNvPr id="1" name=""/>
+        <p:cNvGrpSpPr/>
+        <p:nvPr/>
+      </p:nvGrpSpPr>
+      <p:grpSpPr>
+        <a:xfrm>
+          <a:off x="0" y="0"/>
+          <a:ext cx="0" cy="0"/>
+          <a:chOff x="0" y="0"/>
+          <a:chExt cx="0" cy="0"/>
+        </a:xfrm>
+      </p:grpSpPr>
+      <p:pic>
+        <p:nvPicPr>
+          <p:cNvPr id="7" name="Picture 6"/>
+          <p:cNvPicPr>
+            <a:picLocks noChangeAspect="1"/>
+          </p:cNvPicPr>
+          <p:nvPr/>
+        </p:nvPicPr>
+        <p:blipFill>
+          <a:blip r:embed="rId1"/>
+          <a:stretch>
+            <a:fillRect/>
+          </a:stretch>
+        </p:blipFill>
+        <p:spPr>
+          <a:xfrm>
+            <a:off x="2818613" y="1180326"/>
+            <a:ext cx="5957307" cy="4347224"/>
+          </a:xfrm>
+          <a:prstGeom prst="rect">
+            <a:avLst/>
+          </a:prstGeom>
+        </p:spPr>
+      </p:pic>
+    </p:spTree>
+  </p:cSld>
+  <p:clrMapOvr>
+    <a:masterClrMapping/>
+  </p:clrMapOvr>
+</p:sld>
+</file>
+
 <file path=ppt/slides/slide2.xml><?xml version="1.0" encoding="utf-8"?>
 <p:sld xmlns:a="http://schemas.openxmlformats.org/drawingml/2006/main" xmlns:r="http://schemas.openxmlformats.org/officeDocument/2006/relationships" xmlns:p="http://schemas.openxmlformats.org/presentationml/2006/main">
   <p:cSld>
@@ -16262,7 +17290,27 @@
                 <a:latin typeface="Times New Roman" panose="02020603050405020304" pitchFamily="18" charset="0"/>
                 <a:cs typeface="Times New Roman" panose="02020603050405020304" pitchFamily="18" charset="0"/>
               </a:rPr>
-              <a:t>Chức năng</a:t>
+              <a:t>Phân tích thiết </a:t>
+            </a:r>
+            <a:r>
+              <a:rPr lang="vi-VN" altLang="en-US" sz="2000" b="1" dirty="0">
+                <a:solidFill>
+                  <a:srgbClr val="00151E"/>
+                </a:solidFill>
+                <a:latin typeface="Times New Roman" panose="02020603050405020304" pitchFamily="18" charset="0"/>
+                <a:cs typeface="Times New Roman" panose="02020603050405020304" pitchFamily="18" charset="0"/>
+              </a:rPr>
+              <a:t>kế hệ </a:t>
+            </a:r>
+            <a:r>
+              <a:rPr lang="vi-VN" altLang="en-US" sz="2000" b="1" dirty="0">
+                <a:solidFill>
+                  <a:srgbClr val="00151E"/>
+                </a:solidFill>
+                <a:latin typeface="Times New Roman" panose="02020603050405020304" pitchFamily="18" charset="0"/>
+                <a:cs typeface="Times New Roman" panose="02020603050405020304" pitchFamily="18" charset="0"/>
+              </a:rPr>
+              <a:t>thống</a:t>
             </a:r>
             <a:endParaRPr lang="vi-VN" altLang="en-US" sz="2000" b="1" dirty="0">
               <a:solidFill>
@@ -16429,7 +17477,27 @@
                 <a:latin typeface="Times New Roman" panose="02020603050405020304" pitchFamily="18" charset="0"/>
                 <a:cs typeface="Times New Roman" panose="02020603050405020304" pitchFamily="18" charset="0"/>
               </a:rPr>
-              <a:t>Demo</a:t>
+              <a:t>Kết luận </a:t>
+            </a:r>
+            <a:r>
+              <a:rPr lang="vi-VN" altLang="en-US" sz="2000" b="1" dirty="0">
+                <a:solidFill>
+                  <a:srgbClr val="00151E"/>
+                </a:solidFill>
+                <a:latin typeface="Times New Roman" panose="02020603050405020304" pitchFamily="18" charset="0"/>
+                <a:cs typeface="Times New Roman" panose="02020603050405020304" pitchFamily="18" charset="0"/>
+              </a:rPr>
+              <a:t>và hướng phát </a:t>
+            </a:r>
+            <a:r>
+              <a:rPr lang="vi-VN" altLang="en-US" sz="2000" b="1" dirty="0">
+                <a:solidFill>
+                  <a:srgbClr val="00151E"/>
+                </a:solidFill>
+                <a:latin typeface="Times New Roman" panose="02020603050405020304" pitchFamily="18" charset="0"/>
+                <a:cs typeface="Times New Roman" panose="02020603050405020304" pitchFamily="18" charset="0"/>
+              </a:rPr>
+              <a:t>triển</a:t>
             </a:r>
             <a:endParaRPr lang="vi-VN" altLang="en-US" sz="2000" b="1" dirty="0">
               <a:solidFill>
@@ -17630,7 +18698,7 @@
               <a:t>à một ngôn ngữ </a:t>
             </a:r>
             <a:r>
-              <a:rPr lang="" altLang="en-US" sz="1300" dirty="0">
+              <a:rPr lang="en-US" altLang="en-US" sz="1300" dirty="0">
                 <a:ln>
                   <a:noFill/>
                   <a:prstDash val="sysDot"/>
@@ -17658,7 +18726,7 @@
               <a:t>ánh dấu </a:t>
             </a:r>
             <a:r>
-              <a:rPr lang="" altLang="en-US" sz="1300" dirty="0">
+              <a:rPr lang="en-US" altLang="en-US" sz="1300" dirty="0">
                 <a:ln>
                   <a:noFill/>
                   <a:prstDash val="sysDot"/>
@@ -17686,7 +18754,7 @@
               <a:t>ợc sử dụng </a:t>
             </a:r>
             <a:r>
-              <a:rPr lang="" altLang="en-US" sz="1300" dirty="0">
+              <a:rPr lang="en-US" altLang="en-US" sz="1300" dirty="0">
                 <a:ln>
                   <a:noFill/>
                   <a:prstDash val="sysDot"/>
@@ -17959,7 +19027,7 @@
               <a:t>à ngôn ngữ dùng </a:t>
             </a:r>
             <a:r>
-              <a:rPr lang="" altLang="en-US" sz="1300" dirty="0">
+              <a:rPr lang="en-US" altLang="en-US" sz="1300" dirty="0">
                 <a:ln>
                   <a:noFill/>
                   <a:prstDash val="sysDot"/>
@@ -17987,7 +19055,7 @@
               <a:t>ể làm </a:t>
             </a:r>
             <a:r>
-              <a:rPr lang="" altLang="en-US" sz="1300" dirty="0">
+              <a:rPr lang="en-US" altLang="en-US" sz="1300" dirty="0">
                 <a:ln>
                   <a:noFill/>
                   <a:prstDash val="sysDot"/>
@@ -18015,7 +19083,7 @@
               <a:t>ẹp giao diện trang web. Nó giúp </a:t>
             </a:r>
             <a:r>
-              <a:rPr lang="" altLang="en-US" sz="1300" dirty="0">
+              <a:rPr lang="en-US" altLang="en-US" sz="1300" dirty="0">
                 <a:ln>
                   <a:noFill/>
                   <a:prstDash val="sysDot"/>
@@ -18284,7 +19352,7 @@
               <a:t>à ngôn ngữ lập trình giúp tạo các tính n</a:t>
             </a:r>
             <a:r>
-              <a:rPr lang="" altLang="en-US" sz="1300" dirty="0">
+              <a:rPr lang="en-US" altLang="en-US" sz="1300" dirty="0">
                 <a:ln>
                   <a:noFill/>
                   <a:prstDash val="sysDot"/>
@@ -18312,7 +19380,7 @@
               <a:t>ng </a:t>
             </a:r>
             <a:r>
-              <a:rPr lang="" altLang="en-US" sz="1300" dirty="0">
+              <a:rPr lang="en-US" altLang="en-US" sz="1300" dirty="0">
                 <a:ln>
                   <a:noFill/>
                   <a:prstDash val="sysDot"/>
@@ -18340,7 +19408,7 @@
               <a:t>ộng và t</a:t>
             </a:r>
             <a:r>
-              <a:rPr lang="" altLang="en-US" sz="1300" dirty="0">
+              <a:rPr lang="en-US" altLang="en-US" sz="1300" dirty="0">
                 <a:ln>
                   <a:noFill/>
                   <a:prstDash val="sysDot"/>
@@ -18368,7 +19436,7 @@
               <a:t>ơng tác trên trang web, nh</a:t>
             </a:r>
             <a:r>
-              <a:rPr lang="" altLang="en-US" sz="1300" dirty="0">
+              <a:rPr lang="en-US" altLang="en-US" sz="1300" dirty="0">
                 <a:ln>
                   <a:noFill/>
                   <a:prstDash val="sysDot"/>
@@ -18396,7 +19464,7 @@
               <a:t> xử l</a:t>
             </a:r>
             <a:r>
-              <a:rPr lang="" altLang="en-US" sz="1300" dirty="0">
+              <a:rPr lang="en-US" altLang="en-US" sz="1300" dirty="0">
                 <a:ln>
                   <a:noFill/>
                   <a:prstDash val="sysDot"/>
@@ -18424,7 +19492,7 @@
               <a:t> sự kiện, thay </a:t>
             </a:r>
             <a:r>
-              <a:rPr lang="" altLang="en-US" sz="1300" dirty="0">
+              <a:rPr lang="en-US" altLang="en-US" sz="1300" dirty="0">
                 <a:ln>
                   <a:noFill/>
                   <a:prstDash val="sysDot"/>
@@ -18688,7 +19756,7 @@
               <a:t>ReactJS là th</a:t>
             </a:r>
             <a:r>
-              <a:rPr lang="" altLang="en-US" sz="1300" dirty="0">
+              <a:rPr lang="en-US" altLang="en-US" sz="1300" dirty="0">
                 <a:ln>
                   <a:noFill/>
                   <a:prstDash val="sysDot"/>
@@ -18716,7 +19784,7 @@
               <a:t> viện JavaScript dùng </a:t>
             </a:r>
             <a:r>
-              <a:rPr lang="" altLang="en-US" sz="1300" dirty="0">
+              <a:rPr lang="en-US" altLang="en-US" sz="1300" dirty="0">
                 <a:ln>
                   <a:noFill/>
                   <a:prstDash val="sysDot"/>
@@ -18744,7 +19812,7 @@
               <a:t>ể xây dựng giao diện ng</a:t>
             </a:r>
             <a:r>
-              <a:rPr lang="" altLang="en-US" sz="1300" dirty="0">
+              <a:rPr lang="en-US" altLang="en-US" sz="1300" dirty="0">
                 <a:ln>
                   <a:noFill/>
                   <a:prstDash val="sysDot"/>
@@ -18772,7 +19840,7 @@
               <a:t>ời dùng, giúp tạo các component tái sử dụng và quản l</a:t>
             </a:r>
             <a:r>
-              <a:rPr lang="" altLang="en-US" sz="1300" dirty="0">
+              <a:rPr lang="en-US" altLang="en-US" sz="1300" dirty="0">
                 <a:ln>
                   <a:noFill/>
                   <a:prstDash val="sysDot"/>
@@ -19041,7 +20109,7 @@
               <a:t>à môi tr</a:t>
             </a:r>
             <a:r>
-              <a:rPr lang="" altLang="en-US" sz="1300" dirty="0">
+              <a:rPr lang="en-US" altLang="en-US" sz="1300" dirty="0">
                 <a:ln>
                   <a:noFill/>
                   <a:prstDash val="sysDot"/>
@@ -19182,7 +20250,7 @@
               <a:t> xử l</a:t>
             </a:r>
             <a:r>
-              <a:rPr lang="" altLang="en-US" sz="1300" dirty="0">
+              <a:rPr lang="en-US" altLang="en-US" sz="1300" dirty="0">
                 <a:ln>
                   <a:noFill/>
                   <a:prstDash val="sysDot"/>
@@ -19210,7 +20278,7 @@
               <a:t> nhiều yêu cầu </a:t>
             </a:r>
             <a:r>
-              <a:rPr lang="" altLang="en-US" sz="1300" dirty="0">
+              <a:rPr lang="en-US" altLang="en-US" sz="1300" dirty="0">
                 <a:ln>
                   <a:noFill/>
                   <a:prstDash val="sysDot"/>
@@ -19507,7 +20575,7 @@
               <a:t>à hệ quản trị cơ sở dữ liệu mã nguồn mở, sử dụng SQL </a:t>
             </a:r>
             <a:r>
-              <a:rPr lang="" altLang="en-US" sz="1300" dirty="0">
+              <a:rPr lang="en-US" altLang="en-US" sz="1300" dirty="0">
                 <a:ln>
                   <a:noFill/>
                   <a:prstDash val="sysDot"/>
@@ -19535,7 +20603,7 @@
               <a:t>ể l</a:t>
             </a:r>
             <a:r>
-              <a:rPr lang="" altLang="en-US" sz="1300" dirty="0">
+              <a:rPr lang="en-US" altLang="en-US" sz="1300" dirty="0">
                 <a:ln>
                   <a:noFill/>
                   <a:prstDash val="sysDot"/>
@@ -19563,7 +20631,7 @@
               <a:t>u trữ, quản l</a:t>
             </a:r>
             <a:r>
-              <a:rPr lang="" altLang="en-US" sz="1300" dirty="0">
+              <a:rPr lang="en-US" altLang="en-US" sz="1300" dirty="0">
                 <a:ln>
                   <a:noFill/>
                   <a:prstDash val="sysDot"/>
@@ -19740,6 +20808,105 @@
 </file>
 
 <file path=ppt/slides/slide5.xml><?xml version="1.0" encoding="utf-8"?>
+<p:sld xmlns:a="http://schemas.openxmlformats.org/drawingml/2006/main" xmlns:r="http://schemas.openxmlformats.org/officeDocument/2006/relationships" xmlns:p="http://schemas.openxmlformats.org/presentationml/2006/main">
+  <p:cSld>
+    <p:spTree>
+      <p:nvGrpSpPr>
+        <p:cNvPr id="1" name=""/>
+        <p:cNvGrpSpPr/>
+        <p:nvPr/>
+      </p:nvGrpSpPr>
+      <p:grpSpPr>
+        <a:xfrm>
+          <a:off x="0" y="0"/>
+          <a:ext cx="0" cy="0"/>
+          <a:chOff x="0" y="0"/>
+          <a:chExt cx="0" cy="0"/>
+        </a:xfrm>
+      </p:grpSpPr>
+      <p:sp>
+        <p:nvSpPr>
+          <p:cNvPr id="4" name="标题"/>
+          <p:cNvSpPr>
+            <a:spLocks noGrp="1"/>
+          </p:cNvSpPr>
+          <p:nvPr>
+            <p:ph type="title"/>
+            <p:custDataLst>
+              <p:tags r:id="rId1"/>
+            </p:custDataLst>
+          </p:nvPr>
+        </p:nvSpPr>
+        <p:spPr>
+          <a:xfrm>
+            <a:off x="3921125" y="2948305"/>
+            <a:ext cx="7733665" cy="2847340"/>
+          </a:xfrm>
+        </p:spPr>
+        <p:txBody>
+          <a:bodyPr/>
+          <a:lstStyle/>
+          <a:p>
+            <a:r>
+              <a:rPr lang="vi-VN" altLang="en-US" b="1">
+                <a:latin typeface="Times New Roman" panose="02020603050405020304" pitchFamily="18" charset="0"/>
+                <a:cs typeface="Times New Roman" panose="02020603050405020304" pitchFamily="18" charset="0"/>
+              </a:rPr>
+              <a:t>Phân tích thiết kế hệ thống</a:t>
+            </a:r>
+            <a:endParaRPr lang="vi-VN" altLang="en-US" b="1">
+              <a:latin typeface="Times New Roman" panose="02020603050405020304" pitchFamily="18" charset="0"/>
+              <a:cs typeface="Times New Roman" panose="02020603050405020304" pitchFamily="18" charset="0"/>
+            </a:endParaRPr>
+          </a:p>
+        </p:txBody>
+      </p:sp>
+      <p:sp>
+        <p:nvSpPr>
+          <p:cNvPr id="6" name="节编号"/>
+          <p:cNvSpPr>
+            <a:spLocks noGrp="1"/>
+          </p:cNvSpPr>
+          <p:nvPr>
+            <p:ph type="body" sz="quarter" idx="13"/>
+            <p:custDataLst>
+              <p:tags r:id="rId2"/>
+            </p:custDataLst>
+          </p:nvPr>
+        </p:nvSpPr>
+        <p:spPr/>
+        <p:txBody>
+          <a:bodyPr>
+            <a:normAutofit fontScale="77500"/>
+          </a:bodyPr>
+          <a:lstStyle/>
+          <a:p>
+            <a:r>
+              <a:rPr lang="vi-VN" altLang="en-US">
+                <a:latin typeface="Times New Roman" panose="02020603050405020304" pitchFamily="18" charset="0"/>
+                <a:cs typeface="Times New Roman" panose="02020603050405020304" pitchFamily="18" charset="0"/>
+              </a:rPr>
+              <a:t>03</a:t>
+            </a:r>
+            <a:endParaRPr lang="vi-VN" altLang="en-US">
+              <a:latin typeface="Times New Roman" panose="02020603050405020304" pitchFamily="18" charset="0"/>
+              <a:cs typeface="Times New Roman" panose="02020603050405020304" pitchFamily="18" charset="0"/>
+            </a:endParaRPr>
+          </a:p>
+        </p:txBody>
+      </p:sp>
+    </p:spTree>
+    <p:custDataLst>
+      <p:tags r:id="rId3"/>
+    </p:custDataLst>
+  </p:cSld>
+  <p:clrMapOvr>
+    <a:masterClrMapping/>
+  </p:clrMapOvr>
+</p:sld>
+</file>
+
+<file path=ppt/slides/slide6.xml><?xml version="1.0" encoding="utf-8"?>
 <p:sld xmlns:a="http://schemas.openxmlformats.org/drawingml/2006/main" xmlns:r="http://schemas.openxmlformats.org/officeDocument/2006/relationships" xmlns:p="http://schemas.openxmlformats.org/presentationml/2006/main" showMasterSp="0">
   <p:cSld>
     <p:spTree>
@@ -19824,7 +20991,14 @@
                 <a:latin typeface="+mj-lt"/>
                 <a:sym typeface="Arial" panose="020B0604020202020204" pitchFamily="34" charset="0"/>
               </a:rPr>
-              <a:t>3. Chức năng</a:t>
+              <a:t>3.1 Các chức năng </a:t>
+            </a:r>
+            <a:r>
+              <a:rPr lang="vi-VN" altLang="en-US" sz="3200" b="1" dirty="0">
+                <a:latin typeface="+mj-lt"/>
+                <a:sym typeface="Arial" panose="020B0604020202020204" pitchFamily="34" charset="0"/>
+              </a:rPr>
+              <a:t>chính</a:t>
             </a:r>
             <a:endParaRPr lang="vi-VN" altLang="en-US" sz="3200" b="1" dirty="0">
               <a:latin typeface="+mj-lt"/>
@@ -19844,8 +21018,8 @@
 </p:sld>
 </file>
 
-<file path=ppt/slides/slide6.xml><?xml version="1.0" encoding="utf-8"?>
-<p:sld xmlns:a="http://schemas.openxmlformats.org/drawingml/2006/main" xmlns:r="http://schemas.openxmlformats.org/officeDocument/2006/relationships" xmlns:p="http://schemas.openxmlformats.org/presentationml/2006/main">
+<file path=ppt/slides/slide7.xml><?xml version="1.0" encoding="utf-8"?>
+<p:sld xmlns:a="http://schemas.openxmlformats.org/drawingml/2006/main" xmlns:r="http://schemas.openxmlformats.org/officeDocument/2006/relationships" xmlns:p="http://schemas.openxmlformats.org/presentationml/2006/main" showMasterSp="0">
   <p:cSld>
     <p:spTree>
       <p:nvGrpSpPr>
@@ -19863,40 +21037,103 @@
       </p:grpSpPr>
       <p:sp>
         <p:nvSpPr>
-          <p:cNvPr id="8" name="Title 7"/>
-          <p:cNvSpPr>
-            <a:spLocks noGrp="1"/>
-          </p:cNvSpPr>
+          <p:cNvPr id="12" name="圆角矩形 4"/>
+          <p:cNvSpPr/>
           <p:nvPr>
-            <p:ph type="ctrTitle"/>
+            <p:custDataLst>
+              <p:tags r:id="rId1"/>
+            </p:custDataLst>
           </p:nvPr>
         </p:nvSpPr>
         <p:spPr>
           <a:xfrm>
-            <a:off x="2777490" y="3251200"/>
-            <a:ext cx="2276475" cy="796290"/>
+            <a:off x="434340" y="421640"/>
+            <a:ext cx="11372215" cy="753745"/>
           </a:xfrm>
+          <a:prstGeom prst="roundRect">
+            <a:avLst/>
+          </a:prstGeom>
+          <a:solidFill>
+            <a:schemeClr val="accent1"/>
+          </a:solidFill>
+          <a:ln>
+            <a:noFill/>
+          </a:ln>
         </p:spPr>
+        <p:style>
+          <a:lnRef idx="2">
+            <a:schemeClr val="accent1">
+              <a:lumMod val="75000"/>
+            </a:schemeClr>
+          </a:lnRef>
+          <a:fillRef idx="1">
+            <a:schemeClr val="accent1"/>
+          </a:fillRef>
+          <a:effectRef idx="0">
+            <a:srgbClr val="FFFFFF"/>
+          </a:effectRef>
+          <a:fontRef idx="minor">
+            <a:schemeClr val="lt1"/>
+          </a:fontRef>
+        </p:style>
         <p:txBody>
-          <a:bodyPr/>
-          <a:p>
-            <a:r>
-              <a:rPr lang="vi-VN" altLang="en-US" b="1">
-                <a:latin typeface="Times New Roman" panose="02020603050405020304" pitchFamily="18" charset="0"/>
-                <a:cs typeface="Times New Roman" panose="02020603050405020304" pitchFamily="18" charset="0"/>
+          <a:bodyPr wrap="square" lIns="0" tIns="0" rIns="0" bIns="0" rtlCol="0" anchor="ctr">
+            <a:normAutofit/>
+          </a:bodyPr>
+          <a:p>
+            <a:pPr algn="ctr"/>
+            <a:r>
+              <a:rPr lang="vi-VN" altLang="en-US" sz="3200" b="1" dirty="0">
+                <a:latin typeface="+mj-lt"/>
+                <a:sym typeface="Arial" panose="020B0604020202020204" pitchFamily="34" charset="0"/>
               </a:rPr>
-              <a:t>4. Demo</a:t>
-            </a:r>
-            <a:endParaRPr lang="vi-VN" altLang="en-US" b="1">
-              <a:latin typeface="Times New Roman" panose="02020603050405020304" pitchFamily="18" charset="0"/>
-              <a:cs typeface="Times New Roman" panose="02020603050405020304" pitchFamily="18" charset="0"/>
+              <a:t>3.2 Sơ đồ </a:t>
+            </a:r>
+            <a:r>
+              <a:rPr lang="vi-VN" altLang="en-US" sz="3200" b="1" dirty="0">
+                <a:latin typeface="+mj-lt"/>
+                <a:sym typeface="Arial" panose="020B0604020202020204" pitchFamily="34" charset="0"/>
+              </a:rPr>
+              <a:t>usecase</a:t>
+            </a:r>
+            <a:endParaRPr lang="vi-VN" altLang="en-US" sz="3200" b="1" dirty="0">
+              <a:latin typeface="+mj-lt"/>
+              <a:sym typeface="Arial" panose="020B0604020202020204" pitchFamily="34" charset="0"/>
             </a:endParaRPr>
           </a:p>
         </p:txBody>
       </p:sp>
+      <p:pic>
+        <p:nvPicPr>
+          <p:cNvPr id="28" name="Picture 1"/>
+          <p:cNvPicPr>
+            <a:picLocks noChangeAspect="1"/>
+          </p:cNvPicPr>
+          <p:nvPr/>
+        </p:nvPicPr>
+        <p:blipFill>
+          <a:blip r:embed="rId2"/>
+          <a:stretch>
+            <a:fillRect/>
+          </a:stretch>
+        </p:blipFill>
+        <p:spPr>
+          <a:xfrm>
+            <a:off x="1593850" y="1346200"/>
+            <a:ext cx="9004300" cy="5402580"/>
+          </a:xfrm>
+          <a:prstGeom prst="rect">
+            <a:avLst/>
+          </a:prstGeom>
+          <a:noFill/>
+          <a:ln>
+            <a:noFill/>
+          </a:ln>
+        </p:spPr>
+      </p:pic>
     </p:spTree>
     <p:custDataLst>
-      <p:tags r:id="rId1"/>
+      <p:tags r:id="rId3"/>
     </p:custDataLst>
   </p:cSld>
   <p:clrMapOvr>
@@ -19905,8 +21142,8 @@
 </p:sld>
 </file>
 
-<file path=ppt/slides/slide7.xml><?xml version="1.0" encoding="utf-8"?>
-<p:sld xmlns:a="http://schemas.openxmlformats.org/drawingml/2006/main" xmlns:r="http://schemas.openxmlformats.org/officeDocument/2006/relationships" xmlns:p="http://schemas.openxmlformats.org/presentationml/2006/main">
+<file path=ppt/slides/slide8.xml><?xml version="1.0" encoding="utf-8"?>
+<p:sld xmlns:a="http://schemas.openxmlformats.org/drawingml/2006/main" xmlns:r="http://schemas.openxmlformats.org/officeDocument/2006/relationships" xmlns:p="http://schemas.openxmlformats.org/presentationml/2006/main" showMasterSp="0">
   <p:cSld>
     <p:spTree>
       <p:nvGrpSpPr>
@@ -19922,31 +21159,382 @@
           <a:chExt cx="0" cy="0"/>
         </a:xfrm>
       </p:grpSpPr>
+      <p:sp>
+        <p:nvSpPr>
+          <p:cNvPr id="12" name="圆角矩形 4"/>
+          <p:cNvSpPr/>
+          <p:nvPr>
+            <p:custDataLst>
+              <p:tags r:id="rId1"/>
+            </p:custDataLst>
+          </p:nvPr>
+        </p:nvSpPr>
+        <p:spPr>
+          <a:xfrm>
+            <a:off x="434340" y="421640"/>
+            <a:ext cx="11372215" cy="753745"/>
+          </a:xfrm>
+          <a:prstGeom prst="roundRect">
+            <a:avLst/>
+          </a:prstGeom>
+          <a:solidFill>
+            <a:schemeClr val="accent1"/>
+          </a:solidFill>
+          <a:ln>
+            <a:noFill/>
+          </a:ln>
+        </p:spPr>
+        <p:style>
+          <a:lnRef idx="2">
+            <a:schemeClr val="accent1">
+              <a:lumMod val="75000"/>
+            </a:schemeClr>
+          </a:lnRef>
+          <a:fillRef idx="1">
+            <a:schemeClr val="accent1"/>
+          </a:fillRef>
+          <a:effectRef idx="0">
+            <a:srgbClr val="FFFFFF"/>
+          </a:effectRef>
+          <a:fontRef idx="minor">
+            <a:schemeClr val="lt1"/>
+          </a:fontRef>
+        </p:style>
+        <p:txBody>
+          <a:bodyPr wrap="square" lIns="0" tIns="0" rIns="0" bIns="0" rtlCol="0" anchor="ctr">
+            <a:normAutofit/>
+          </a:bodyPr>
+          <a:p>
+            <a:pPr algn="ctr"/>
+            <a:r>
+              <a:rPr lang="vi-VN" altLang="en-US" sz="3200" b="1" dirty="0">
+                <a:latin typeface="+mj-lt"/>
+                <a:sym typeface="Arial" panose="020B0604020202020204" pitchFamily="34" charset="0"/>
+              </a:rPr>
+              <a:t>3.3 Sơ đồ </a:t>
+            </a:r>
+            <a:r>
+              <a:rPr lang="vi-VN" altLang="en-US" sz="3200" b="1" dirty="0">
+                <a:latin typeface="+mj-lt"/>
+                <a:sym typeface="Arial" panose="020B0604020202020204" pitchFamily="34" charset="0"/>
+              </a:rPr>
+              <a:t>database</a:t>
+            </a:r>
+            <a:endParaRPr lang="vi-VN" altLang="en-US" sz="3200" b="1" dirty="0">
+              <a:latin typeface="+mj-lt"/>
+              <a:sym typeface="Arial" panose="020B0604020202020204" pitchFamily="34" charset="0"/>
+            </a:endParaRPr>
+          </a:p>
+        </p:txBody>
+      </p:sp>
       <p:pic>
         <p:nvPicPr>
-          <p:cNvPr id="7" name="Picture 6"/>
+          <p:cNvPr id="25" name="Picture 3"/>
           <p:cNvPicPr>
             <a:picLocks noChangeAspect="1"/>
           </p:cNvPicPr>
           <p:nvPr/>
         </p:nvPicPr>
         <p:blipFill>
-          <a:blip r:embed="rId1"/>
+          <a:blip r:embed="rId2"/>
           <a:stretch>
             <a:fillRect/>
           </a:stretch>
         </p:blipFill>
         <p:spPr>
           <a:xfrm>
-            <a:off x="2818613" y="1180326"/>
-            <a:ext cx="5957307" cy="4347224"/>
+            <a:off x="2027555" y="1360170"/>
+            <a:ext cx="8136890" cy="5312410"/>
           </a:xfrm>
           <a:prstGeom prst="rect">
             <a:avLst/>
           </a:prstGeom>
+          <a:noFill/>
+          <a:ln>
+            <a:noFill/>
+          </a:ln>
         </p:spPr>
       </p:pic>
     </p:spTree>
+    <p:custDataLst>
+      <p:tags r:id="rId3"/>
+    </p:custDataLst>
+  </p:cSld>
+  <p:clrMapOvr>
+    <a:masterClrMapping/>
+  </p:clrMapOvr>
+</p:sld>
+</file>
+
+<file path=ppt/slides/slide9.xml><?xml version="1.0" encoding="utf-8"?>
+<p:sld xmlns:a="http://schemas.openxmlformats.org/drawingml/2006/main" xmlns:r="http://schemas.openxmlformats.org/officeDocument/2006/relationships" xmlns:p="http://schemas.openxmlformats.org/presentationml/2006/main">
+  <p:cSld>
+    <p:spTree>
+      <p:nvGrpSpPr>
+        <p:cNvPr id="1" name=""/>
+        <p:cNvGrpSpPr/>
+        <p:nvPr/>
+      </p:nvGrpSpPr>
+      <p:grpSpPr/>
+      <p:sp>
+        <p:nvSpPr>
+          <p:cNvPr id="5" name="Text Box 4"/>
+          <p:cNvSpPr txBox="1"/>
+          <p:nvPr/>
+        </p:nvSpPr>
+        <p:spPr>
+          <a:xfrm>
+            <a:off x="749300" y="2021205"/>
+            <a:ext cx="5237480" cy="914400"/>
+          </a:xfrm>
+          <a:prstGeom prst="rect">
+            <a:avLst/>
+          </a:prstGeom>
+          <a:noFill/>
+        </p:spPr>
+        <p:txBody>
+          <a:bodyPr wrap="square" rtlCol="0">
+            <a:noAutofit/>
+          </a:bodyPr>
+          <a:p>
+            <a:pPr algn="l">
+              <a:lnSpc>
+                <a:spcPct val="140000"/>
+              </a:lnSpc>
+            </a:pPr>
+            <a:r>
+              <a:rPr lang="vi-VN" altLang="en-US" sz="4100" b="1">
+                <a:latin typeface="Times New Roman" panose="02020603050405020304" pitchFamily="18" charset="0"/>
+                <a:cs typeface="Times New Roman" panose="02020603050405020304" pitchFamily="18" charset="0"/>
+                <a:sym typeface="+mn-ea"/>
+              </a:rPr>
+              <a:t>4. Kết luận và hướng phát triển</a:t>
+            </a:r>
+            <a:endParaRPr lang="vi-VN" altLang="en-US" sz="3600" b="1" kern="100" dirty="0">
+              <a:solidFill>
+                <a:srgbClr val="333333"/>
+              </a:solidFill>
+              <a:effectLst/>
+              <a:latin typeface="Times New Roman" panose="02020603050405020304" pitchFamily="18" charset="0"/>
+              <a:cs typeface="Times New Roman" panose="02020603050405020304" pitchFamily="18" charset="0"/>
+              <a:sym typeface="+mn-ea"/>
+            </a:endParaRPr>
+          </a:p>
+        </p:txBody>
+      </p:sp>
+      <p:graphicFrame>
+        <p:nvGraphicFramePr>
+          <p:cNvPr id="6" name="Table 5"/>
+          <p:cNvGraphicFramePr/>
+          <p:nvPr>
+            <p:custDataLst>
+              <p:tags r:id="rId1"/>
+            </p:custDataLst>
+          </p:nvPr>
+        </p:nvGraphicFramePr>
+        <p:xfrm>
+          <a:off x="5881370" y="1472565"/>
+          <a:ext cx="5632450" cy="2848610"/>
+        </p:xfrm>
+        <a:graphic>
+          <a:graphicData uri="http://schemas.openxmlformats.org/drawingml/2006/table">
+            <a:tbl>
+              <a:tblPr firstRow="1" bandRow="1">
+                <a:tableStyleId>{5C22544A-7EE6-4342-B048-85BDC9FD1C3A}</a:tableStyleId>
+              </a:tblPr>
+              <a:tblGrid>
+                <a:gridCol w="2816225"/>
+                <a:gridCol w="2816225"/>
+              </a:tblGrid>
+              <a:tr h="1424305">
+                <a:tc>
+                  <a:txBody>
+                    <a:bodyPr/>
+                    <a:p>
+                      <a:pPr algn="ctr">
+                        <a:buNone/>
+                      </a:pPr>
+                      <a:r>
+                        <a:rPr lang="vi-VN" altLang="en-US" sz="2400">
+                          <a:latin typeface="Times New Roman" panose="02020603050405020304" pitchFamily="18" charset="0"/>
+                          <a:cs typeface="Times New Roman" panose="02020603050405020304" pitchFamily="18" charset="0"/>
+                        </a:rPr>
+                        <a:t>Đã hoàn thành</a:t>
+                      </a:r>
+                      <a:endParaRPr lang="vi-VN" altLang="en-US" sz="2400">
+                        <a:latin typeface="Times New Roman" panose="02020603050405020304" pitchFamily="18" charset="0"/>
+                        <a:cs typeface="Times New Roman" panose="02020603050405020304" pitchFamily="18" charset="0"/>
+                      </a:endParaRPr>
+                    </a:p>
+                  </a:txBody>
+                  <a:tcPr anchor="ctr" anchorCtr="0"/>
+                </a:tc>
+                <a:tc>
+                  <a:txBody>
+                    <a:bodyPr/>
+                    <a:p>
+                      <a:pPr algn="ctr">
+                        <a:buNone/>
+                      </a:pPr>
+                      <a:r>
+                        <a:rPr lang="vi-VN" altLang="en-US" sz="2400">
+                          <a:latin typeface="Times New Roman" panose="02020603050405020304" pitchFamily="18" charset="0"/>
+                          <a:cs typeface="Times New Roman" panose="02020603050405020304" pitchFamily="18" charset="0"/>
+                        </a:rPr>
+                        <a:t>Chưa hoàn thành</a:t>
+                      </a:r>
+                      <a:endParaRPr lang="vi-VN" altLang="en-US" sz="2400">
+                        <a:latin typeface="Times New Roman" panose="02020603050405020304" pitchFamily="18" charset="0"/>
+                        <a:cs typeface="Times New Roman" panose="02020603050405020304" pitchFamily="18" charset="0"/>
+                      </a:endParaRPr>
+                    </a:p>
+                  </a:txBody>
+                  <a:tcPr anchor="ctr" anchorCtr="0"/>
+                </a:tc>
+              </a:tr>
+              <a:tr h="1424305">
+                <a:tc>
+                  <a:txBody>
+                    <a:bodyPr/>
+                    <a:p>
+                      <a:pPr marL="342900" indent="-342900">
+                        <a:buFont typeface="Wingdings" panose="05000000000000000000" charset="0"/>
+                        <a:buChar char="ü"/>
+                      </a:pPr>
+                      <a:r>
+                        <a:rPr lang="vi-VN" altLang="en-US" sz="2400">
+                          <a:latin typeface="Times New Roman" panose="02020603050405020304" pitchFamily="18" charset="0"/>
+                          <a:cs typeface="Times New Roman" panose="02020603050405020304" pitchFamily="18" charset="0"/>
+                        </a:rPr>
+                        <a:t>Hệ thống đã sử dụng được các chức năng đã đề ra</a:t>
+                      </a:r>
+                      <a:endParaRPr lang="vi-VN" altLang="en-US" sz="2400">
+                        <a:latin typeface="Times New Roman" panose="02020603050405020304" pitchFamily="18" charset="0"/>
+                        <a:cs typeface="Times New Roman" panose="02020603050405020304" pitchFamily="18" charset="0"/>
+                      </a:endParaRPr>
+                    </a:p>
+                    <a:p>
+                      <a:pPr marL="342900" indent="-342900">
+                        <a:buFont typeface="Wingdings" panose="05000000000000000000" charset="0"/>
+                        <a:buChar char="ü"/>
+                      </a:pPr>
+                      <a:r>
+                        <a:rPr lang="vi-VN" altLang="en-US" sz="2400">
+                          <a:latin typeface="Times New Roman" panose="02020603050405020304" pitchFamily="18" charset="0"/>
+                          <a:cs typeface="Times New Roman" panose="02020603050405020304" pitchFamily="18" charset="0"/>
+                        </a:rPr>
+                        <a:t>Giao diện dễ sử dụng</a:t>
+                      </a:r>
+                      <a:endParaRPr lang="vi-VN" altLang="en-US" sz="2400">
+                        <a:latin typeface="Times New Roman" panose="02020603050405020304" pitchFamily="18" charset="0"/>
+                        <a:cs typeface="Times New Roman" panose="02020603050405020304" pitchFamily="18" charset="0"/>
+                      </a:endParaRPr>
+                    </a:p>
+                  </a:txBody>
+                  <a:tcPr/>
+                </a:tc>
+                <a:tc>
+                  <a:txBody>
+                    <a:bodyPr/>
+                    <a:p>
+                      <a:pPr marL="342900" indent="-342900">
+                        <a:buFont typeface="Arial" panose="020B0604020202020204" pitchFamily="34" charset="0"/>
+                        <a:buChar char="•"/>
+                      </a:pPr>
+                      <a:r>
+                        <a:rPr lang="vi-VN" altLang="en-US" sz="2400">
+                          <a:latin typeface="Times New Roman" panose="02020603050405020304" pitchFamily="18" charset="0"/>
+                          <a:cs typeface="Times New Roman" panose="02020603050405020304" pitchFamily="18" charset="0"/>
+                        </a:rPr>
+                        <a:t>Cập nhật hàng loạt máy </a:t>
+                      </a:r>
+                      <a:r>
+                        <a:rPr lang="vi-VN" altLang="en-US" sz="2400">
+                          <a:latin typeface="Times New Roman" panose="02020603050405020304" pitchFamily="18" charset="0"/>
+                          <a:cs typeface="Times New Roman" panose="02020603050405020304" pitchFamily="18" charset="0"/>
+                        </a:rPr>
+                        <a:t>tính</a:t>
+                      </a:r>
+                      <a:endParaRPr lang="vi-VN" altLang="en-US" sz="2400">
+                        <a:latin typeface="Times New Roman" panose="02020603050405020304" pitchFamily="18" charset="0"/>
+                        <a:cs typeface="Times New Roman" panose="02020603050405020304" pitchFamily="18" charset="0"/>
+                      </a:endParaRPr>
+                    </a:p>
+                  </a:txBody>
+                  <a:tcPr/>
+                </a:tc>
+              </a:tr>
+            </a:tbl>
+          </a:graphicData>
+        </a:graphic>
+      </p:graphicFrame>
+      <p:sp>
+        <p:nvSpPr>
+          <p:cNvPr id="12" name="圆角矩形 4"/>
+          <p:cNvSpPr/>
+          <p:nvPr>
+            <p:custDataLst>
+              <p:tags r:id="rId2"/>
+            </p:custDataLst>
+          </p:nvPr>
+        </p:nvSpPr>
+        <p:spPr>
+          <a:xfrm>
+            <a:off x="5881370" y="421640"/>
+            <a:ext cx="5631815" cy="753745"/>
+          </a:xfrm>
+          <a:prstGeom prst="roundRect">
+            <a:avLst/>
+          </a:prstGeom>
+          <a:solidFill>
+            <a:schemeClr val="accent1"/>
+          </a:solidFill>
+          <a:ln>
+            <a:noFill/>
+          </a:ln>
+        </p:spPr>
+        <p:style>
+          <a:lnRef idx="2">
+            <a:schemeClr val="accent1">
+              <a:lumMod val="75000"/>
+            </a:schemeClr>
+          </a:lnRef>
+          <a:fillRef idx="1">
+            <a:schemeClr val="accent1"/>
+          </a:fillRef>
+          <a:effectRef idx="0">
+            <a:srgbClr val="FFFFFF"/>
+          </a:effectRef>
+          <a:fontRef idx="minor">
+            <a:schemeClr val="lt1"/>
+          </a:fontRef>
+        </p:style>
+        <p:txBody>
+          <a:bodyPr wrap="square" lIns="0" tIns="0" rIns="0" bIns="0" rtlCol="0" anchor="ctr">
+            <a:normAutofit/>
+          </a:bodyPr>
+          <a:p>
+            <a:pPr algn="ctr"/>
+            <a:r>
+              <a:rPr lang="vi-VN" altLang="en-US" sz="3200" b="1" dirty="0">
+                <a:latin typeface="Times New Roman" panose="02020603050405020304" pitchFamily="18" charset="0"/>
+                <a:cs typeface="Times New Roman" panose="02020603050405020304" pitchFamily="18" charset="0"/>
+                <a:sym typeface="Arial" panose="020B0604020202020204" pitchFamily="34" charset="0"/>
+              </a:rPr>
+              <a:t>Kết luận</a:t>
+            </a:r>
+            <a:endParaRPr lang="vi-VN" altLang="en-US" sz="3200" b="1" dirty="0">
+              <a:latin typeface="Times New Roman" panose="02020603050405020304" pitchFamily="18" charset="0"/>
+              <a:cs typeface="Times New Roman" panose="02020603050405020304" pitchFamily="18" charset="0"/>
+              <a:sym typeface="Arial" panose="020B0604020202020204" pitchFamily="34" charset="0"/>
+            </a:endParaRPr>
+          </a:p>
+        </p:txBody>
+      </p:sp>
+    </p:spTree>
+    <p:custDataLst>
+      <p:tags r:id="rId3"/>
+    </p:custDataLst>
   </p:cSld>
   <p:clrMapOvr>
     <a:masterClrMapping/>
@@ -21377,6 +22965,68 @@
 
 <file path=ppt/tags/tag144.xml><?xml version="1.0" encoding="utf-8"?>
 <p:tagLst xmlns:p="http://schemas.openxmlformats.org/presentationml/2006/main">
+  <p:tag name="KSO_WM_UNIT_HIGHLIGHT" val="0"/>
+  <p:tag name="KSO_WM_UNIT_COMPATIBLE" val="0"/>
+  <p:tag name="KSO_WM_UNIT_DIAGRAM_ISNUMVISUAL" val="0"/>
+  <p:tag name="KSO_WM_UNIT_DIAGRAM_ISREFERUNIT" val="0"/>
+  <p:tag name="KSO_WM_UNIT_ID" val="custom20238137_7*a*1"/>
+  <p:tag name="KSO_WM_TEMPLATE_CATEGORY" val="custom"/>
+  <p:tag name="KSO_WM_TEMPLATE_INDEX" val="20238137"/>
+  <p:tag name="KSO_WM_UNIT_LAYERLEVEL" val="1"/>
+  <p:tag name="KSO_WM_TAG_VERSION" val="3.0"/>
+  <p:tag name="KSO_WM_BEAUTIFY_FLAG" val="#wm#"/>
+  <p:tag name="KSO_WM_UNIT_ISCONTENTSTITLE" val="0"/>
+  <p:tag name="KSO_WM_UNIT_ISNUMDGMTITLE" val="0"/>
+  <p:tag name="KSO_WM_UNIT_NOCLEAR" val="0"/>
+  <p:tag name="KSO_WM_UNIT_VALUE" val="14"/>
+  <p:tag name="KSO_WM_UNIT_TYPE" val="a"/>
+  <p:tag name="KSO_WM_UNIT_INDEX" val="1"/>
+  <p:tag name="KSO_WM_UNIT_PRESET_TEXT" val="Your title here"/>
+</p:tagLst>
+</file>
+
+<file path=ppt/tags/tag145.xml><?xml version="1.0" encoding="utf-8"?>
+<p:tagLst xmlns:p="http://schemas.openxmlformats.org/presentationml/2006/main">
+  <p:tag name="KSO_WM_UNIT_HIGHLIGHT" val="0"/>
+  <p:tag name="KSO_WM_UNIT_COMPATIBLE" val="1"/>
+  <p:tag name="KSO_WM_UNIT_DIAGRAM_ISNUMVISUAL" val="0"/>
+  <p:tag name="KSO_WM_UNIT_DIAGRAM_ISREFERUNIT" val="0"/>
+  <p:tag name="KSO_WM_UNIT_ID" val="custom20238137_7*e*1"/>
+  <p:tag name="KSO_WM_TEMPLATE_CATEGORY" val="custom"/>
+  <p:tag name="KSO_WM_TEMPLATE_INDEX" val="20238137"/>
+  <p:tag name="KSO_WM_UNIT_LAYERLEVEL" val="1"/>
+  <p:tag name="KSO_WM_TAG_VERSION" val="3.0"/>
+  <p:tag name="KSO_WM_BEAUTIFY_FLAG" val="#wm#"/>
+  <p:tag name="KSO_WM_UNIT_NOCLEAR" val="0"/>
+  <p:tag name="KSO_WM_UNIT_VALUE" val="13"/>
+  <p:tag name="KSO_WM_UNIT_TYPE" val="e"/>
+  <p:tag name="KSO_WM_UNIT_INDEX" val="1"/>
+  <p:tag name="KSO_WM_UNIT_PRESET_TEXT" val="01"/>
+</p:tagLst>
+</file>
+
+<file path=ppt/tags/tag146.xml><?xml version="1.0" encoding="utf-8"?>
+<p:tagLst xmlns:p="http://schemas.openxmlformats.org/presentationml/2006/main">
+  <p:tag name="KSO_WM_SLIDE_ID" val="custom20238137_7"/>
+  <p:tag name="KSO_WM_TEMPLATE_SUBCATEGORY" val="29"/>
+  <p:tag name="KSO_WM_TEMPLATE_MASTER_TYPE" val="0"/>
+  <p:tag name="KSO_WM_TEMPLATE_COLOR_TYPE" val="0"/>
+  <p:tag name="KSO_WM_SLIDE_ITEM_CNT" val="0"/>
+  <p:tag name="KSO_WM_SLIDE_INDEX" val="7"/>
+  <p:tag name="KSO_WM_TAG_VERSION" val="3.0"/>
+  <p:tag name="KSO_WM_BEAUTIFY_FLAG" val="#wm#"/>
+  <p:tag name="KSO_WM_TEMPLATE_CATEGORY" val="custom"/>
+  <p:tag name="KSO_WM_TEMPLATE_INDEX" val="20238137"/>
+  <p:tag name="KSO_WM_SLIDE_TYPE" val="sectionTitle"/>
+  <p:tag name="KSO_WM_SLIDE_SUBTYPE" val="pureTxt"/>
+  <p:tag name="KSO_WM_SLIDE_LAYOUT" val="a_e"/>
+  <p:tag name="KSO_WM_SLIDE_LAYOUT_CNT" val="1_1"/>
+  <p:tag name="KSO_WM_SPECIAL_SOURCE" val="bdnull"/>
+</p:tagLst>
+</file>
+
+<file path=ppt/tags/tag147.xml><?xml version="1.0" encoding="utf-8"?>
+<p:tagLst xmlns:p="http://schemas.openxmlformats.org/presentationml/2006/main">
   <p:tag name="KSO_WM_DIAGRAM_MAX_ITEMCNT" val="1"/>
   <p:tag name="KSO_WM_DIAGRAM_MIN_ITEMCNT" val="1"/>
   <p:tag name="KSO_WM_DIAGRAM_VIRTUALLY_FRAME" val="{&quot;height&quot;:50,&quot;left&quot;:71.44999694824219,&quot;top&quot;:30.137480314960612,&quot;width&quot;:429.3000030517578}"/>
@@ -21410,7 +23060,7 @@
 </p:tagLst>
 </file>
 
-<file path=ppt/tags/tag145.xml><?xml version="1.0" encoding="utf-8"?>
+<file path=ppt/tags/tag148.xml><?xml version="1.0" encoding="utf-8"?>
 <p:tagLst xmlns:p="http://schemas.openxmlformats.org/presentationml/2006/main">
   <p:tag name="KSO_WM_SLIDE_ID" val="custom20238406_1"/>
   <p:tag name="KSO_WM_TEMPLATE_SUBCATEGORY" val="0"/>
@@ -21434,23 +23084,38 @@
 </p:tagLst>
 </file>
 
-<file path=ppt/tags/tag146.xml><?xml version="1.0" encoding="utf-8"?>
+<file path=ppt/tags/tag149.xml><?xml version="1.0" encoding="utf-8"?>
 <p:tagLst xmlns:p="http://schemas.openxmlformats.org/presentationml/2006/main">
-  <p:tag name="KSO_WM_SPECIAL_SOURCE" val="bdnull"/>
-  <p:tag name="KSO_WM_SLIDE_ID" val="custom20233299_7"/>
-  <p:tag name="KSO_WM_TEMPLATE_SUBCATEGORY" val="29"/>
-  <p:tag name="KSO_WM_TEMPLATE_MASTER_TYPE" val="0"/>
-  <p:tag name="KSO_WM_TEMPLATE_COLOR_TYPE" val="0"/>
-  <p:tag name="KSO_WM_SLIDE_TYPE" val="sectionTitle"/>
-  <p:tag name="KSO_WM_SLIDE_SUBTYPE" val="pureTxt"/>
-  <p:tag name="KSO_WM_SLIDE_ITEM_CNT" val="0"/>
-  <p:tag name="KSO_WM_SLIDE_INDEX" val="7"/>
+  <p:tag name="KSO_WM_DIAGRAM_MAX_ITEMCNT" val="1"/>
+  <p:tag name="KSO_WM_DIAGRAM_MIN_ITEMCNT" val="1"/>
+  <p:tag name="KSO_WM_DIAGRAM_VIRTUALLY_FRAME" val="{&quot;height&quot;:50,&quot;left&quot;:71.44999694824219,&quot;top&quot;:30.137480314960612,&quot;width&quot;:429.3000030517578}"/>
+  <p:tag name="KSO_WM_DIAGRAM_COLOR_MATCH_VALUE" val="{&quot;shape&quot;:{&quot;fill&quot;:{&quot;solid&quot;:{&quot;brightness&quot;:0,&quot;colorType&quot;:1,&quot;foreColorIndex&quot;:5,&quot;transparency&quot;:0},&quot;type&quot;:1},&quot;glow&quot;:{&quot;colorType&quot;:0},&quot;line&quot;:{&quot;type&quot;:0},&quot;shadow&quot;:{&quot;colorType&quot;:0},&quot;threeD&quot;:{&quot;curvedSurface&quot;:{&quot;brightness&quot;:0,&quot;colorType&quot;:2,&quot;rgb&quot;:&quot;#000000&quot;},&quot;depth&quot;:{&quot;colorType&quot;:0}}},&quot;text&quot;:{&quot;fill&quot;:{&quot;solid&quot;:{&quot;brightness&quot;:0,&quot;colorType&quot;:1,&quot;foreColorIndex&quot;:2,&quot;transparency&quot;:0},&quot;type&quot;:1},&quot;glow&quot;:{&quot;colorType&quot;:0},&quot;line&quot;:{&quot;type&quot;:0},&quot;shadow&quot;:{&quot;colorType&quot;:0},&quot;threeD&quot;:{&quot;curvedSurface&quot;:{&quot;brightness&quot;:0,&quot;colorType&quot;:2,&quot;rgb&quot;:&quot;#000000&quot;},&quot;depth&quot;:{&quot;colorType&quot;:0}}}}"/>
+  <p:tag name="KSO_WM_DIAGRAM_VERSION" val="3"/>
+  <p:tag name="KSO_WM_DIAGRAM_COLOR_TRICK" val="1"/>
+  <p:tag name="KSO_WM_DIAGRAM_COLOR_TEXT_CAN_REMOVE" val="n"/>
+  <p:tag name="KSO_WM_UNIT_ISCONTENTSTITLE" val="0"/>
+  <p:tag name="KSO_WM_UNIT_ISNUMDGMTITLE" val="0"/>
+  <p:tag name="KSO_WM_UNIT_NOCLEAR" val="0"/>
+  <p:tag name="KSO_WM_UNIT_VALUE" val="9"/>
+  <p:tag name="KSO_WM_UNIT_HIGHLIGHT" val="0"/>
+  <p:tag name="KSO_WM_UNIT_COMPATIBLE" val="0"/>
+  <p:tag name="KSO_WM_UNIT_DIAGRAM_ISNUMVISUAL" val="0"/>
+  <p:tag name="KSO_WM_UNIT_DIAGRAM_ISREFERUNIT" val="0"/>
+  <p:tag name="KSO_WM_DIAGRAM_GROUP_CODE" val="l1-1"/>
+  <p:tag name="KSO_WM_UNIT_TYPE" val="l_h_a"/>
+  <p:tag name="KSO_WM_UNIT_INDEX" val="1_1_1"/>
+  <p:tag name="KSO_WM_UNIT_ID" val="diagram20237973_1*l_h_a*1_1_1"/>
+  <p:tag name="KSO_WM_TEMPLATE_CATEGORY" val="diagram"/>
+  <p:tag name="KSO_WM_TEMPLATE_INDEX" val="20237973"/>
+  <p:tag name="KSO_WM_UNIT_LAYERLEVEL" val="1_1_1"/>
   <p:tag name="KSO_WM_TAG_VERSION" val="3.0"/>
-  <p:tag name="KSO_WM_BEAUTIFY_FLAG" val="#wm#"/>
-  <p:tag name="KSO_WM_TEMPLATE_CATEGORY" val="custom"/>
-  <p:tag name="KSO_WM_TEMPLATE_INDEX" val="20233299"/>
-  <p:tag name="KSO_WM_SLIDE_LAYOUT" val="a_e"/>
-  <p:tag name="KSO_WM_SLIDE_LAYOUT_CNT" val="1_1"/>
+  <p:tag name="KSO_WM_UNIT_PRESET_TEXT" val="Your title here"/>
+  <p:tag name="KSO_WM_UNIT_FILL_TYPE" val="1"/>
+  <p:tag name="KSO_WM_UNIT_FILL_FORE_SCHEMECOLOR_INDEX" val="5"/>
+  <p:tag name="KSO_WM_UNIT_FILL_FORE_SCHEMECOLOR_INDEX_BRIGHTNESS" val="0"/>
+  <p:tag name="KSO_WM_UNIT_TEXT_FILL_FORE_SCHEMECOLOR_INDEX" val="1"/>
+  <p:tag name="KSO_WM_UNIT_TEXT_FILL_TYPE" val="1"/>
+  <p:tag name="KSO_WM_UNIT_USESOURCEFORMAT_APPLY" val="1"/>
 </p:tagLst>
 </file>
 
@@ -21469,6 +23134,264 @@
 </p:tagLst>
 </file>
 
+<file path=ppt/tags/tag150.xml><?xml version="1.0" encoding="utf-8"?>
+<p:tagLst xmlns:p="http://schemas.openxmlformats.org/presentationml/2006/main">
+  <p:tag name="KSO_WM_SLIDE_ID" val="custom20238406_1"/>
+  <p:tag name="KSO_WM_TEMPLATE_SUBCATEGORY" val="0"/>
+  <p:tag name="KSO_WM_TEMPLATE_MASTER_TYPE" val="0"/>
+  <p:tag name="KSO_WM_TEMPLATE_COLOR_TYPE" val="0"/>
+  <p:tag name="KSO_WM_SLIDE_TYPE" val="text"/>
+  <p:tag name="KSO_WM_SLIDE_SUBTYPE" val="picTxt"/>
+  <p:tag name="KSO_WM_SLIDE_ITEM_CNT" val="1"/>
+  <p:tag name="KSO_WM_SLIDE_INDEX" val="1"/>
+  <p:tag name="KSO_WM_SLIDE_SIZE" val="316.1*85.55"/>
+  <p:tag name="KSO_WM_SLIDE_POSITION" val="71.45*363.8"/>
+  <p:tag name="KSO_WM_DIAGRAM_GROUP_CODE" val="l1-1"/>
+  <p:tag name="KSO_WM_SLIDE_DIAGTYPE" val="l"/>
+  <p:tag name="KSO_WM_TAG_VERSION" val="3.0"/>
+  <p:tag name="KSO_WM_BEAUTIFY_FLAG" val="#wm#"/>
+  <p:tag name="KSO_WM_TEMPLATE_CATEGORY" val="custom"/>
+  <p:tag name="KSO_WM_TEMPLATE_INDEX" val="20238406"/>
+  <p:tag name="KSO_WM_SLIDE_LAYOUT" val="a_d_l"/>
+  <p:tag name="KSO_WM_SLIDE_LAYOUT_CNT" val="1_1_1"/>
+  <p:tag name="KSO_WM_SPECIAL_SOURCE" val="bdnull"/>
+</p:tagLst>
+</file>
+
+<file path=ppt/tags/tag151.xml><?xml version="1.0" encoding="utf-8"?>
+<p:tagLst xmlns:p="http://schemas.openxmlformats.org/presentationml/2006/main">
+  <p:tag name="KSO_WM_DIAGRAM_MAX_ITEMCNT" val="1"/>
+  <p:tag name="KSO_WM_DIAGRAM_MIN_ITEMCNT" val="1"/>
+  <p:tag name="KSO_WM_DIAGRAM_VIRTUALLY_FRAME" val="{&quot;height&quot;:50,&quot;left&quot;:71.44999694824219,&quot;top&quot;:30.137480314960612,&quot;width&quot;:429.3000030517578}"/>
+  <p:tag name="KSO_WM_DIAGRAM_COLOR_MATCH_VALUE" val="{&quot;shape&quot;:{&quot;fill&quot;:{&quot;solid&quot;:{&quot;brightness&quot;:0,&quot;colorType&quot;:1,&quot;foreColorIndex&quot;:5,&quot;transparency&quot;:0},&quot;type&quot;:1},&quot;glow&quot;:{&quot;colorType&quot;:0},&quot;line&quot;:{&quot;type&quot;:0},&quot;shadow&quot;:{&quot;colorType&quot;:0},&quot;threeD&quot;:{&quot;curvedSurface&quot;:{&quot;brightness&quot;:0,&quot;colorType&quot;:2,&quot;rgb&quot;:&quot;#000000&quot;},&quot;depth&quot;:{&quot;colorType&quot;:0}}},&quot;text&quot;:{&quot;fill&quot;:{&quot;solid&quot;:{&quot;brightness&quot;:0,&quot;colorType&quot;:1,&quot;foreColorIndex&quot;:2,&quot;transparency&quot;:0},&quot;type&quot;:1},&quot;glow&quot;:{&quot;colorType&quot;:0},&quot;line&quot;:{&quot;type&quot;:0},&quot;shadow&quot;:{&quot;colorType&quot;:0},&quot;threeD&quot;:{&quot;curvedSurface&quot;:{&quot;brightness&quot;:0,&quot;colorType&quot;:2,&quot;rgb&quot;:&quot;#000000&quot;},&quot;depth&quot;:{&quot;colorType&quot;:0}}}}"/>
+  <p:tag name="KSO_WM_DIAGRAM_VERSION" val="3"/>
+  <p:tag name="KSO_WM_DIAGRAM_COLOR_TRICK" val="1"/>
+  <p:tag name="KSO_WM_DIAGRAM_COLOR_TEXT_CAN_REMOVE" val="n"/>
+  <p:tag name="KSO_WM_UNIT_ISCONTENTSTITLE" val="0"/>
+  <p:tag name="KSO_WM_UNIT_ISNUMDGMTITLE" val="0"/>
+  <p:tag name="KSO_WM_UNIT_NOCLEAR" val="0"/>
+  <p:tag name="KSO_WM_UNIT_VALUE" val="9"/>
+  <p:tag name="KSO_WM_UNIT_HIGHLIGHT" val="0"/>
+  <p:tag name="KSO_WM_UNIT_COMPATIBLE" val="0"/>
+  <p:tag name="KSO_WM_UNIT_DIAGRAM_ISNUMVISUAL" val="0"/>
+  <p:tag name="KSO_WM_UNIT_DIAGRAM_ISREFERUNIT" val="0"/>
+  <p:tag name="KSO_WM_DIAGRAM_GROUP_CODE" val="l1-1"/>
+  <p:tag name="KSO_WM_UNIT_TYPE" val="l_h_a"/>
+  <p:tag name="KSO_WM_UNIT_INDEX" val="1_1_1"/>
+  <p:tag name="KSO_WM_UNIT_ID" val="diagram20237973_1*l_h_a*1_1_1"/>
+  <p:tag name="KSO_WM_TEMPLATE_CATEGORY" val="diagram"/>
+  <p:tag name="KSO_WM_TEMPLATE_INDEX" val="20237973"/>
+  <p:tag name="KSO_WM_UNIT_LAYERLEVEL" val="1_1_1"/>
+  <p:tag name="KSO_WM_TAG_VERSION" val="3.0"/>
+  <p:tag name="KSO_WM_UNIT_PRESET_TEXT" val="Your title here"/>
+  <p:tag name="KSO_WM_UNIT_FILL_TYPE" val="1"/>
+  <p:tag name="KSO_WM_UNIT_FILL_FORE_SCHEMECOLOR_INDEX" val="5"/>
+  <p:tag name="KSO_WM_UNIT_FILL_FORE_SCHEMECOLOR_INDEX_BRIGHTNESS" val="0"/>
+  <p:tag name="KSO_WM_UNIT_TEXT_FILL_FORE_SCHEMECOLOR_INDEX" val="1"/>
+  <p:tag name="KSO_WM_UNIT_TEXT_FILL_TYPE" val="1"/>
+  <p:tag name="KSO_WM_UNIT_USESOURCEFORMAT_APPLY" val="1"/>
+</p:tagLst>
+</file>
+
+<file path=ppt/tags/tag152.xml><?xml version="1.0" encoding="utf-8"?>
+<p:tagLst xmlns:p="http://schemas.openxmlformats.org/presentationml/2006/main">
+  <p:tag name="KSO_WM_SLIDE_ID" val="custom20238406_1"/>
+  <p:tag name="KSO_WM_TEMPLATE_SUBCATEGORY" val="0"/>
+  <p:tag name="KSO_WM_TEMPLATE_MASTER_TYPE" val="0"/>
+  <p:tag name="KSO_WM_TEMPLATE_COLOR_TYPE" val="0"/>
+  <p:tag name="KSO_WM_SLIDE_TYPE" val="text"/>
+  <p:tag name="KSO_WM_SLIDE_SUBTYPE" val="picTxt"/>
+  <p:tag name="KSO_WM_SLIDE_ITEM_CNT" val="1"/>
+  <p:tag name="KSO_WM_SLIDE_INDEX" val="1"/>
+  <p:tag name="KSO_WM_SLIDE_SIZE" val="316.1*85.55"/>
+  <p:tag name="KSO_WM_SLIDE_POSITION" val="71.45*363.8"/>
+  <p:tag name="KSO_WM_DIAGRAM_GROUP_CODE" val="l1-1"/>
+  <p:tag name="KSO_WM_SLIDE_DIAGTYPE" val="l"/>
+  <p:tag name="KSO_WM_TAG_VERSION" val="3.0"/>
+  <p:tag name="KSO_WM_BEAUTIFY_FLAG" val="#wm#"/>
+  <p:tag name="KSO_WM_TEMPLATE_CATEGORY" val="custom"/>
+  <p:tag name="KSO_WM_TEMPLATE_INDEX" val="20238406"/>
+  <p:tag name="KSO_WM_SLIDE_LAYOUT" val="a_d_l"/>
+  <p:tag name="KSO_WM_SLIDE_LAYOUT_CNT" val="1_1_1"/>
+  <p:tag name="KSO_WM_SPECIAL_SOURCE" val="bdnull"/>
+</p:tagLst>
+</file>
+
+<file path=ppt/tags/tag153.xml><?xml version="1.0" encoding="utf-8"?>
+<p:tagLst xmlns:p="http://schemas.openxmlformats.org/presentationml/2006/main">
+  <p:tag name="TABLE_ENDDRAG_ORIGIN_RECT" val="443*224"/>
+  <p:tag name="TABLE_ENDDRAG_RECT" val="463*115*443*224"/>
+</p:tagLst>
+</file>
+
+<file path=ppt/tags/tag154.xml><?xml version="1.0" encoding="utf-8"?>
+<p:tagLst xmlns:p="http://schemas.openxmlformats.org/presentationml/2006/main">
+  <p:tag name="KSO_WM_DIAGRAM_MAX_ITEMCNT" val="1"/>
+  <p:tag name="KSO_WM_DIAGRAM_MIN_ITEMCNT" val="1"/>
+  <p:tag name="KSO_WM_DIAGRAM_VIRTUALLY_FRAME" val="{&quot;height&quot;:50,&quot;left&quot;:71.44999694824219,&quot;top&quot;:30.137480314960612,&quot;width&quot;:429.3000030517578}"/>
+  <p:tag name="KSO_WM_DIAGRAM_COLOR_MATCH_VALUE" val="{&quot;shape&quot;:{&quot;fill&quot;:{&quot;solid&quot;:{&quot;brightness&quot;:0,&quot;colorType&quot;:1,&quot;foreColorIndex&quot;:5,&quot;transparency&quot;:0},&quot;type&quot;:1},&quot;glow&quot;:{&quot;colorType&quot;:0},&quot;line&quot;:{&quot;type&quot;:0},&quot;shadow&quot;:{&quot;colorType&quot;:0},&quot;threeD&quot;:{&quot;curvedSurface&quot;:{&quot;brightness&quot;:0,&quot;colorType&quot;:2,&quot;rgb&quot;:&quot;#000000&quot;},&quot;depth&quot;:{&quot;colorType&quot;:0}}},&quot;text&quot;:{&quot;fill&quot;:{&quot;solid&quot;:{&quot;brightness&quot;:0,&quot;colorType&quot;:1,&quot;foreColorIndex&quot;:2,&quot;transparency&quot;:0},&quot;type&quot;:1},&quot;glow&quot;:{&quot;colorType&quot;:0},&quot;line&quot;:{&quot;type&quot;:0},&quot;shadow&quot;:{&quot;colorType&quot;:0},&quot;threeD&quot;:{&quot;curvedSurface&quot;:{&quot;brightness&quot;:0,&quot;colorType&quot;:2,&quot;rgb&quot;:&quot;#000000&quot;},&quot;depth&quot;:{&quot;colorType&quot;:0}}}}"/>
+  <p:tag name="KSO_WM_DIAGRAM_VERSION" val="3"/>
+  <p:tag name="KSO_WM_DIAGRAM_COLOR_TRICK" val="1"/>
+  <p:tag name="KSO_WM_DIAGRAM_COLOR_TEXT_CAN_REMOVE" val="n"/>
+  <p:tag name="KSO_WM_UNIT_ISCONTENTSTITLE" val="0"/>
+  <p:tag name="KSO_WM_UNIT_ISNUMDGMTITLE" val="0"/>
+  <p:tag name="KSO_WM_UNIT_NOCLEAR" val="0"/>
+  <p:tag name="KSO_WM_UNIT_VALUE" val="9"/>
+  <p:tag name="KSO_WM_UNIT_HIGHLIGHT" val="0"/>
+  <p:tag name="KSO_WM_UNIT_COMPATIBLE" val="0"/>
+  <p:tag name="KSO_WM_UNIT_DIAGRAM_ISNUMVISUAL" val="0"/>
+  <p:tag name="KSO_WM_UNIT_DIAGRAM_ISREFERUNIT" val="0"/>
+  <p:tag name="KSO_WM_DIAGRAM_GROUP_CODE" val="l1-1"/>
+  <p:tag name="KSO_WM_UNIT_TYPE" val="l_h_a"/>
+  <p:tag name="KSO_WM_UNIT_INDEX" val="1_1_1"/>
+  <p:tag name="KSO_WM_UNIT_ID" val="diagram20237973_1*l_h_a*1_1_1"/>
+  <p:tag name="KSO_WM_TEMPLATE_CATEGORY" val="diagram"/>
+  <p:tag name="KSO_WM_TEMPLATE_INDEX" val="20237973"/>
+  <p:tag name="KSO_WM_UNIT_LAYERLEVEL" val="1_1_1"/>
+  <p:tag name="KSO_WM_TAG_VERSION" val="3.0"/>
+  <p:tag name="KSO_WM_UNIT_PRESET_TEXT" val="Your title here"/>
+  <p:tag name="KSO_WM_UNIT_FILL_TYPE" val="1"/>
+  <p:tag name="KSO_WM_UNIT_FILL_FORE_SCHEMECOLOR_INDEX" val="5"/>
+  <p:tag name="KSO_WM_UNIT_FILL_FORE_SCHEMECOLOR_INDEX_BRIGHTNESS" val="0"/>
+  <p:tag name="KSO_WM_UNIT_TEXT_FILL_FORE_SCHEMECOLOR_INDEX" val="1"/>
+  <p:tag name="KSO_WM_UNIT_TEXT_FILL_TYPE" val="1"/>
+  <p:tag name="KSO_WM_UNIT_USESOURCEFORMAT_APPLY" val="1"/>
+</p:tagLst>
+</file>
+
+<file path=ppt/tags/tag155.xml><?xml version="1.0" encoding="utf-8"?>
+<p:tagLst xmlns:p="http://schemas.openxmlformats.org/presentationml/2006/main">
+  <p:tag name="KSO_WM_BEAUTIFY_FLAG" val="#wm#"/>
+  <p:tag name="KSO_WM_TEMPLATE_CATEGORY" val="custom"/>
+  <p:tag name="KSO_WM_TEMPLATE_INDEX" val="20233299"/>
+</p:tagLst>
+</file>
+
+<file path=ppt/tags/tag156.xml><?xml version="1.0" encoding="utf-8"?>
+<p:tagLst xmlns:p="http://schemas.openxmlformats.org/presentationml/2006/main">
+  <p:tag name="KSO_WM_DIAGRAM_MAX_ITEMCNT" val="6"/>
+  <p:tag name="KSO_WM_DIAGRAM_MIN_ITEMCNT" val="2"/>
+  <p:tag name="KSO_WM_DIAGRAM_VIRTUALLY_FRAME" val="{&quot;height&quot;:292.56298828125,&quot;left&quot;:59.18637926957736,&quot;top&quot;:123.76854522945378,&quot;width&quot;:841.6631469726562}"/>
+  <p:tag name="KSO_WM_DIAGRAM_COLOR_MATCH_VALUE" val="{&quot;shape&quot;:{&quot;fill&quot;:{&quot;solid&quot;:{&quot;brightness&quot;:0.4000000059604645,&quot;colorType&quot;:1,&quot;foreColorIndex&quot;:5,&quot;transparency&quot;:0.800000011920929},&quot;type&quot;:1},&quot;glow&quot;:{&quot;colorType&quot;:0},&quot;line&quot;:{&quot;type&quot;:0},&quot;shadow&quot;:{&quot;colorType&quot;:0},&quot;threeD&quot;:{&quot;curvedSurface&quot;:{&quot;brightness&quot;:0,&quot;colorType&quot;:2,&quot;rgb&quot;:&quot;#000000&quot;},&quot;depth&quot;:{&quot;colorType&quot;:0}}},&quot;text&quot;:{&quot;fill&quot;:{&quot;solid&quot;:{&quot;brightness&quot;:0,&quot;colorType&quot;:1,&quot;foreColorIndex&quot;:2,&quot;transparency&quot;:0},&quot;type&quot;:1},&quot;glow&quot;:{&quot;colorType&quot;:0},&quot;line&quot;:{&quot;type&quot;:0},&quot;shadow&quot;:{&quot;colorType&quot;:0},&quot;threeD&quot;:{&quot;curvedSurface&quot;:{&quot;brightness&quot;:0,&quot;colorType&quot;:2,&quot;rgb&quot;:&quot;#000000&quot;},&quot;depth&quot;:{&quot;colorType&quot;:0}}}}"/>
+  <p:tag name="KSO_WM_UNIT_FILL_TYPE" val="1"/>
+  <p:tag name="KSO_WM_UNIT_FILL_FORE_SCHEMECOLOR_INDEX" val="5"/>
+  <p:tag name="KSO_WM_UNIT_FILL_FORE_SCHEMECOLOR_INDEX_BRIGHTNESS" val="0.4"/>
+  <p:tag name="KSO_WM_DIAGRAM_VERSION" val="3"/>
+  <p:tag name="KSO_WM_DIAGRAM_COLOR_TRICK" val="1"/>
+  <p:tag name="KSO_WM_DIAGRAM_COLOR_TEXT_CAN_REMOVE" val="n"/>
+  <p:tag name="KSO_WM_UNIT_HIGHLIGHT" val="0"/>
+  <p:tag name="KSO_WM_UNIT_COMPATIBLE" val="0"/>
+  <p:tag name="KSO_WM_UNIT_DIAGRAM_ISNUMVISUAL" val="0"/>
+  <p:tag name="KSO_WM_UNIT_DIAGRAM_ISREFERUNIT" val="0"/>
+  <p:tag name="KSO_WM_DIAGRAM_GROUP_CODE" val="n1-1"/>
+  <p:tag name="KSO_WM_UNIT_TYPE" val="n_h_i"/>
+  <p:tag name="KSO_WM_UNIT_INDEX" val="1_1_1"/>
+  <p:tag name="KSO_WM_UNIT_ID" val="diagram20231635_2*n_h_i*1_1_1"/>
+  <p:tag name="KSO_WM_TEMPLATE_CATEGORY" val="diagram"/>
+  <p:tag name="KSO_WM_TEMPLATE_INDEX" val="20231635"/>
+  <p:tag name="KSO_WM_UNIT_LAYERLEVEL" val="1_1_1"/>
+  <p:tag name="KSO_WM_TAG_VERSION" val="3.0"/>
+  <p:tag name="KSO_WM_BEAUTIFY_FLAG" val="#wm#"/>
+  <p:tag name="KSO_WM_DIAGRAM_USE_COLOR_VALUE" val="{&quot;color_scheme&quot;:1,&quot;color_type&quot;:1,&quot;theme_color_indexes&quot;:[]}"/>
+</p:tagLst>
+</file>
+
+<file path=ppt/tags/tag157.xml><?xml version="1.0" encoding="utf-8"?>
+<p:tagLst xmlns:p="http://schemas.openxmlformats.org/presentationml/2006/main">
+  <p:tag name="KSO_WM_DIAGRAM_MAX_ITEMCNT" val="6"/>
+  <p:tag name="KSO_WM_DIAGRAM_MIN_ITEMCNT" val="2"/>
+  <p:tag name="KSO_WM_DIAGRAM_VIRTUALLY_FRAME" val="{&quot;height&quot;:292.56298828125,&quot;left&quot;:59.18637926957736,&quot;top&quot;:123.76854522945378,&quot;width&quot;:841.6631469726562}"/>
+  <p:tag name="KSO_WM_DIAGRAM_COLOR_MATCH_VALUE" val="{&quot;shape&quot;:{&quot;fill&quot;:{&quot;solid&quot;:{&quot;brightness&quot;:0,&quot;colorType&quot;:1,&quot;foreColorIndex&quot;:5,&quot;transparency&quot;:0},&quot;type&quot;:1},&quot;glow&quot;:{&quot;colorType&quot;:0},&quot;line&quot;:{&quot;type&quot;:0},&quot;shadow&quot;:{&quot;colorType&quot;:0},&quot;threeD&quot;:{&quot;curvedSurface&quot;:{&quot;brightness&quot;:0,&quot;colorType&quot;:2,&quot;rgb&quot;:&quot;#000000&quot;},&quot;depth&quot;:{&quot;colorType&quot;:0}}},&quot;text&quot;:{&quot;fill&quot;:{&quot;solid&quot;:{&quot;brightness&quot;:0,&quot;colorType&quot;:1,&quot;foreColorIndex&quot;:2,&quot;transparency&quot;:0},&quot;type&quot;:1},&quot;glow&quot;:{&quot;colorType&quot;:0},&quot;line&quot;:{&quot;type&quot;:0},&quot;shadow&quot;:{&quot;colorType&quot;:0},&quot;threeD&quot;:{&quot;curvedSurface&quot;:{&quot;brightness&quot;:0,&quot;colorType&quot;:2,&quot;rgb&quot;:&quot;#000000&quot;},&quot;depth&quot;:{&quot;colorType&quot;:0}}}}"/>
+  <p:tag name="KSO_WM_UNIT_FILL_TYPE" val="1"/>
+  <p:tag name="KSO_WM_UNIT_FILL_FORE_SCHEMECOLOR_INDEX" val="5"/>
+  <p:tag name="KSO_WM_UNIT_FILL_FORE_SCHEMECOLOR_INDEX_BRIGHTNESS" val="0"/>
+  <p:tag name="KSO_WM_UNIT_TEXT_FILL_FORE_SCHEMECOLOR_INDEX" val="1"/>
+  <p:tag name="KSO_WM_UNIT_TEXT_FILL_TYPE" val="1"/>
+  <p:tag name="KSO_WM_DIAGRAM_VERSION" val="3"/>
+  <p:tag name="KSO_WM_DIAGRAM_COLOR_TRICK" val="1"/>
+  <p:tag name="KSO_WM_DIAGRAM_COLOR_TEXT_CAN_REMOVE" val="n"/>
+  <p:tag name="KSO_WM_UNIT_HIGHLIGHT" val="0"/>
+  <p:tag name="KSO_WM_UNIT_COMPATIBLE" val="0"/>
+  <p:tag name="KSO_WM_UNIT_DIAGRAM_ISNUMVISUAL" val="0"/>
+  <p:tag name="KSO_WM_UNIT_DIAGRAM_ISREFERUNIT" val="0"/>
+  <p:tag name="KSO_WM_DIAGRAM_GROUP_CODE" val="n1-1"/>
+  <p:tag name="KSO_WM_UNIT_SUBTYPE" val="d"/>
+  <p:tag name="KSO_WM_UNIT_TYPE" val="n_h_h_i"/>
+  <p:tag name="KSO_WM_UNIT_INDEX" val="1_2_1_2"/>
+  <p:tag name="KSO_WM_UNIT_ID" val="diagram20231635_2*n_h_h_i*1_2_1_2"/>
+  <p:tag name="KSO_WM_TEMPLATE_CATEGORY" val="diagram"/>
+  <p:tag name="KSO_WM_TEMPLATE_INDEX" val="20231635"/>
+  <p:tag name="KSO_WM_UNIT_LAYERLEVEL" val="1_1_1_1"/>
+  <p:tag name="KSO_WM_TAG_VERSION" val="3.0"/>
+  <p:tag name="KSO_WM_BEAUTIFY_FLAG" val="#wm#"/>
+  <p:tag name="KSO_WM_DIAGRAM_USE_COLOR_VALUE" val="{&quot;color_scheme&quot;:1,&quot;color_type&quot;:1,&quot;theme_color_indexes&quot;:[]}"/>
+</p:tagLst>
+</file>
+
+<file path=ppt/tags/tag158.xml><?xml version="1.0" encoding="utf-8"?>
+<p:tagLst xmlns:p="http://schemas.openxmlformats.org/presentationml/2006/main">
+  <p:tag name="KSO_WM_DIAGRAM_MAX_ITEMCNT" val="6"/>
+  <p:tag name="KSO_WM_DIAGRAM_MIN_ITEMCNT" val="2"/>
+  <p:tag name="KSO_WM_DIAGRAM_VIRTUALLY_FRAME" val="{&quot;height&quot;:292.56298828125,&quot;left&quot;:59.18637926957736,&quot;top&quot;:123.76854522945378,&quot;width&quot;:841.6631469726562}"/>
+  <p:tag name="KSO_WM_DIAGRAM_COLOR_MATCH_VALUE" val="{&quot;shape&quot;:{&quot;fill&quot;:{&quot;solid&quot;:{&quot;brightness&quot;:0,&quot;colorType&quot;:1,&quot;foreColorIndex&quot;:5,&quot;transparency&quot;:0},&quot;type&quot;:1},&quot;glow&quot;:{&quot;colorType&quot;:0},&quot;line&quot;:{&quot;type&quot;:0},&quot;shadow&quot;:{&quot;colorType&quot;:0},&quot;threeD&quot;:{&quot;curvedSurface&quot;:{&quot;brightness&quot;:0,&quot;colorType&quot;:2,&quot;rgb&quot;:&quot;#000000&quot;},&quot;depth&quot;:{&quot;colorType&quot;:0}}},&quot;text&quot;:{&quot;fill&quot;:{&quot;solid&quot;:{&quot;brightness&quot;:0,&quot;colorType&quot;:1,&quot;foreColorIndex&quot;:2,&quot;transparency&quot;:0},&quot;type&quot;:1},&quot;glow&quot;:{&quot;colorType&quot;:0},&quot;line&quot;:{&quot;type&quot;:0},&quot;shadow&quot;:{&quot;colorType&quot;:0},&quot;threeD&quot;:{&quot;curvedSurface&quot;:{&quot;brightness&quot;:0,&quot;colorType&quot;:2,&quot;rgb&quot;:&quot;#000000&quot;},&quot;depth&quot;:{&quot;colorType&quot;:0}}}}"/>
+  <p:tag name="KSO_WM_UNIT_FILL_TYPE" val="1"/>
+  <p:tag name="KSO_WM_UNIT_FILL_FORE_SCHEMECOLOR_INDEX" val="5"/>
+  <p:tag name="KSO_WM_UNIT_FILL_FORE_SCHEMECOLOR_INDEX_BRIGHTNESS" val="0"/>
+  <p:tag name="KSO_WM_UNIT_TEXT_FILL_FORE_SCHEMECOLOR_INDEX" val="1"/>
+  <p:tag name="KSO_WM_UNIT_TEXT_FILL_TYPE" val="1"/>
+  <p:tag name="KSO_WM_DIAGRAM_VERSION" val="3"/>
+  <p:tag name="KSO_WM_DIAGRAM_COLOR_TRICK" val="1"/>
+  <p:tag name="KSO_WM_DIAGRAM_COLOR_TEXT_CAN_REMOVE" val="n"/>
+  <p:tag name="KSO_WM_UNIT_HIGHLIGHT" val="0"/>
+  <p:tag name="KSO_WM_UNIT_COMPATIBLE" val="0"/>
+  <p:tag name="KSO_WM_UNIT_DIAGRAM_ISNUMVISUAL" val="0"/>
+  <p:tag name="KSO_WM_UNIT_DIAGRAM_ISREFERUNIT" val="0"/>
+  <p:tag name="KSO_WM_DIAGRAM_GROUP_CODE" val="n1-1"/>
+  <p:tag name="KSO_WM_UNIT_SUBTYPE" val="d"/>
+  <p:tag name="KSO_WM_UNIT_TYPE" val="n_h_h_i"/>
+  <p:tag name="KSO_WM_UNIT_INDEX" val="1_2_2_2"/>
+  <p:tag name="KSO_WM_UNIT_ID" val="diagram20231635_2*n_h_h_i*1_2_2_2"/>
+  <p:tag name="KSO_WM_TEMPLATE_CATEGORY" val="diagram"/>
+  <p:tag name="KSO_WM_TEMPLATE_INDEX" val="20231635"/>
+  <p:tag name="KSO_WM_UNIT_LAYERLEVEL" val="1_1_1_1"/>
+  <p:tag name="KSO_WM_TAG_VERSION" val="3.0"/>
+  <p:tag name="KSO_WM_BEAUTIFY_FLAG" val="#wm#"/>
+  <p:tag name="KSO_WM_DIAGRAM_USE_COLOR_VALUE" val="{&quot;color_scheme&quot;:1,&quot;color_type&quot;:1,&quot;theme_color_indexes&quot;:[]}"/>
+</p:tagLst>
+</file>
+
+<file path=ppt/tags/tag159.xml><?xml version="1.0" encoding="utf-8"?>
+<p:tagLst xmlns:p="http://schemas.openxmlformats.org/presentationml/2006/main">
+  <p:tag name="KSO_WM_DIAGRAM_MAX_ITEMCNT" val="6"/>
+  <p:tag name="KSO_WM_DIAGRAM_MIN_ITEMCNT" val="2"/>
+  <p:tag name="KSO_WM_DIAGRAM_VIRTUALLY_FRAME" val="{&quot;height&quot;:292.56298828125,&quot;left&quot;:59.18637926957736,&quot;top&quot;:123.76854522945378,&quot;width&quot;:841.6631469726562}"/>
+  <p:tag name="KSO_WM_DIAGRAM_COLOR_MATCH_VALUE" val="{&quot;shape&quot;:{&quot;fill&quot;:{&quot;solid&quot;:{&quot;brightness&quot;:0,&quot;colorType&quot;:1,&quot;foreColorIndex&quot;:5,&quot;transparency&quot;:0},&quot;type&quot;:1},&quot;glow&quot;:{&quot;colorType&quot;:0},&quot;line&quot;:{&quot;type&quot;:0},&quot;shadow&quot;:{&quot;colorType&quot;:0},&quot;threeD&quot;:{&quot;curvedSurface&quot;:{&quot;brightness&quot;:0,&quot;colorType&quot;:2,&quot;rgb&quot;:&quot;#000000&quot;},&quot;depth&quot;:{&quot;colorType&quot;:0}}},&quot;text&quot;:{&quot;fill&quot;:{&quot;solid&quot;:{&quot;brightness&quot;:0,&quot;colorType&quot;:1,&quot;foreColorIndex&quot;:2,&quot;transparency&quot;:0},&quot;type&quot;:1},&quot;glow&quot;:{&quot;colorType&quot;:0},&quot;line&quot;:{&quot;type&quot;:0},&quot;shadow&quot;:{&quot;colorType&quot;:0},&quot;threeD&quot;:{&quot;curvedSurface&quot;:{&quot;brightness&quot;:0,&quot;colorType&quot;:2,&quot;rgb&quot;:&quot;#000000&quot;},&quot;depth&quot;:{&quot;colorType&quot;:0}}}}"/>
+  <p:tag name="KSO_WM_UNIT_FILL_TYPE" val="1"/>
+  <p:tag name="KSO_WM_UNIT_FILL_FORE_SCHEMECOLOR_INDEX" val="5"/>
+  <p:tag name="KSO_WM_UNIT_FILL_FORE_SCHEMECOLOR_INDEX_BRIGHTNESS" val="0"/>
+  <p:tag name="KSO_WM_UNIT_TEXT_FILL_FORE_SCHEMECOLOR_INDEX" val="1"/>
+  <p:tag name="KSO_WM_UNIT_TEXT_FILL_TYPE" val="1"/>
+  <p:tag name="KSO_WM_DIAGRAM_VERSION" val="3"/>
+  <p:tag name="KSO_WM_DIAGRAM_COLOR_TRICK" val="1"/>
+  <p:tag name="KSO_WM_DIAGRAM_COLOR_TEXT_CAN_REMOVE" val="n"/>
+  <p:tag name="KSO_WM_UNIT_HIGHLIGHT" val="0"/>
+  <p:tag name="KSO_WM_UNIT_COMPATIBLE" val="0"/>
+  <p:tag name="KSO_WM_UNIT_DIAGRAM_ISNUMVISUAL" val="0"/>
+  <p:tag name="KSO_WM_UNIT_DIAGRAM_ISREFERUNIT" val="0"/>
+  <p:tag name="KSO_WM_DIAGRAM_GROUP_CODE" val="n1-1"/>
+  <p:tag name="KSO_WM_UNIT_SUBTYPE" val="d"/>
+  <p:tag name="KSO_WM_UNIT_TYPE" val="n_h_h_i"/>
+  <p:tag name="KSO_WM_UNIT_INDEX" val="1_2_3_2"/>
+  <p:tag name="KSO_WM_UNIT_ID" val="diagram20231635_2*n_h_h_i*1_2_3_2"/>
+  <p:tag name="KSO_WM_TEMPLATE_CATEGORY" val="diagram"/>
+  <p:tag name="KSO_WM_TEMPLATE_INDEX" val="20231635"/>
+  <p:tag name="KSO_WM_UNIT_LAYERLEVEL" val="1_1_1_1"/>
+  <p:tag name="KSO_WM_TAG_VERSION" val="3.0"/>
+  <p:tag name="KSO_WM_BEAUTIFY_FLAG" val="#wm#"/>
+  <p:tag name="KSO_WM_DIAGRAM_USE_COLOR_VALUE" val="{&quot;color_scheme&quot;:1,&quot;color_type&quot;:1,&quot;theme_color_indexes&quot;:[]}"/>
+</p:tagLst>
+</file>
+
 <file path=ppt/tags/tag16.xml><?xml version="1.0" encoding="utf-8"?>
 <p:tagLst xmlns:p="http://schemas.openxmlformats.org/presentationml/2006/main">
   <p:tag name="KSO_WM_UNIT_HIGHLIGHT" val="0"/>
@@ -21481,6 +23404,152 @@
   <p:tag name="KSO_WM_BEAUTIFY_FLAG" val="#wm#"/>
   <p:tag name="KSO_WM_UNIT_TYPE" val="i"/>
   <p:tag name="KSO_WM_UNIT_INDEX" val="6"/>
+</p:tagLst>
+</file>
+
+<file path=ppt/tags/tag160.xml><?xml version="1.0" encoding="utf-8"?>
+<p:tagLst xmlns:p="http://schemas.openxmlformats.org/presentationml/2006/main">
+  <p:tag name="KSO_WM_DIAGRAM_MAX_ITEMCNT" val="6"/>
+  <p:tag name="KSO_WM_DIAGRAM_MIN_ITEMCNT" val="2"/>
+  <p:tag name="KSO_WM_DIAGRAM_VIRTUALLY_FRAME" val="{&quot;height&quot;:292.56298828125,&quot;left&quot;:59.18637926957736,&quot;top&quot;:123.76854522945378,&quot;width&quot;:841.6631469726562}"/>
+  <p:tag name="KSO_WM_DIAGRAM_COLOR_MATCH_VALUE" val="{&quot;shape&quot;:{&quot;fill&quot;:{&quot;solid&quot;:{&quot;brightness&quot;:0,&quot;colorType&quot;:1,&quot;foreColorIndex&quot;:5,&quot;transparency&quot;:0},&quot;type&quot;:1},&quot;glow&quot;:{&quot;colorType&quot;:0},&quot;line&quot;:{&quot;type&quot;:0},&quot;shadow&quot;:{&quot;colorType&quot;:0},&quot;threeD&quot;:{&quot;curvedSurface&quot;:{&quot;brightness&quot;:0,&quot;colorType&quot;:2,&quot;rgb&quot;:&quot;#000000&quot;},&quot;depth&quot;:{&quot;colorType&quot;:0}}},&quot;text&quot;:{&quot;fill&quot;:{&quot;solid&quot;:{&quot;brightness&quot;:0,&quot;colorType&quot;:1,&quot;foreColorIndex&quot;:2,&quot;transparency&quot;:0},&quot;type&quot;:1},&quot;glow&quot;:{&quot;colorType&quot;:0},&quot;line&quot;:{&quot;type&quot;:0},&quot;shadow&quot;:{&quot;colorType&quot;:0},&quot;threeD&quot;:{&quot;curvedSurface&quot;:{&quot;brightness&quot;:0,&quot;colorType&quot;:2,&quot;rgb&quot;:&quot;#000000&quot;},&quot;depth&quot;:{&quot;colorType&quot;:0}}}}"/>
+  <p:tag name="KSO_WM_UNIT_FILL_TYPE" val="1"/>
+  <p:tag name="KSO_WM_UNIT_FILL_FORE_SCHEMECOLOR_INDEX" val="5"/>
+  <p:tag name="KSO_WM_UNIT_FILL_FORE_SCHEMECOLOR_INDEX_BRIGHTNESS" val="0"/>
+  <p:tag name="KSO_WM_UNIT_TEXT_FILL_FORE_SCHEMECOLOR_INDEX" val="1"/>
+  <p:tag name="KSO_WM_UNIT_TEXT_FILL_TYPE" val="1"/>
+  <p:tag name="KSO_WM_DIAGRAM_VERSION" val="3"/>
+  <p:tag name="KSO_WM_DIAGRAM_COLOR_TRICK" val="1"/>
+  <p:tag name="KSO_WM_DIAGRAM_COLOR_TEXT_CAN_REMOVE" val="n"/>
+  <p:tag name="KSO_WM_UNIT_ISCONTENTSTITLE" val="0"/>
+  <p:tag name="KSO_WM_UNIT_ISNUMDGMTITLE" val="0"/>
+  <p:tag name="KSO_WM_UNIT_PRESET_TEXT" val="Your title here"/>
+  <p:tag name="KSO_WM_UNIT_NOCLEAR" val="0"/>
+  <p:tag name="KSO_WM_UNIT_VALUE" val="10"/>
+  <p:tag name="KSO_WM_UNIT_HIGHLIGHT" val="0"/>
+  <p:tag name="KSO_WM_UNIT_COMPATIBLE" val="0"/>
+  <p:tag name="KSO_WM_UNIT_DIAGRAM_ISNUMVISUAL" val="0"/>
+  <p:tag name="KSO_WM_UNIT_DIAGRAM_ISREFERUNIT" val="0"/>
+  <p:tag name="KSO_WM_DIAGRAM_GROUP_CODE" val="n1-1"/>
+  <p:tag name="KSO_WM_UNIT_TYPE" val="n_h_a"/>
+  <p:tag name="KSO_WM_UNIT_INDEX" val="1_1_1"/>
+  <p:tag name="KSO_WM_UNIT_ID" val="diagram20231635_2*n_h_a*1_1_1"/>
+  <p:tag name="KSO_WM_TEMPLATE_CATEGORY" val="diagram"/>
+  <p:tag name="KSO_WM_TEMPLATE_INDEX" val="20231635"/>
+  <p:tag name="KSO_WM_UNIT_LAYERLEVEL" val="1_1_1"/>
+  <p:tag name="KSO_WM_TAG_VERSION" val="3.0"/>
+  <p:tag name="KSO_WM_BEAUTIFY_FLAG" val="#wm#"/>
+  <p:tag name="KSO_WM_DIAGRAM_USE_COLOR_VALUE" val="{&quot;color_scheme&quot;:1,&quot;color_type&quot;:1,&quot;theme_color_indexes&quot;:[]}"/>
+</p:tagLst>
+</file>
+
+<file path=ppt/tags/tag161.xml><?xml version="1.0" encoding="utf-8"?>
+<p:tagLst xmlns:p="http://schemas.openxmlformats.org/presentationml/2006/main">
+  <p:tag name="KSO_WM_DIAGRAM_MAX_ITEMCNT" val="6"/>
+  <p:tag name="KSO_WM_DIAGRAM_MIN_ITEMCNT" val="2"/>
+  <p:tag name="KSO_WM_DIAGRAM_VIRTUALLY_FRAME" val="{&quot;height&quot;:292.56298828125,&quot;left&quot;:59.18637926957736,&quot;top&quot;:123.76854522945378,&quot;width&quot;:841.6631469726562}"/>
+  <p:tag name="KSO_WM_DIAGRAM_COLOR_MATCH_VALUE" val="{&quot;shape&quot;:{&quot;fill&quot;:{&quot;type&quot;:0},&quot;glow&quot;:{&quot;colorType&quot;:0},&quot;line&quot;:{&quot;type&quot;:0},&quot;shadow&quot;:{&quot;colorType&quot;:0},&quot;threeD&quot;:{&quot;curvedSurface&quot;:{&quot;brightness&quot;:0,&quot;colorType&quot;:2,&quot;rgb&quot;:&quot;#000000&quot;},&quot;depth&quot;:{&quot;colorType&quot;:0}}},&quot;text&quot;:{&quot;fill&quot;:{&quot;solid&quot;:{&quot;brightness&quot;:0.15000000596046448,&quot;colorType&quot;:1,&quot;foreColorIndex&quot;:13,&quot;transparency&quot;:0},&quot;type&quot;:1},&quot;glow&quot;:{&quot;colorType&quot;:0},&quot;line&quot;:{&quot;type&quot;:0},&quot;shadow&quot;:{&quot;colorType&quot;:0},&quot;threeD&quot;:{&quot;curvedSurface&quot;:{&quot;brightness&quot;:0,&quot;colorType&quot;:2,&quot;rgb&quot;:&quot;#000000&quot;},&quot;depth&quot;:{&quot;colorType&quot;:0}}}}"/>
+  <p:tag name="KSO_WM_UNIT_TEXT_FILL_FORE_SCHEMECOLOR_INDEX" val="1"/>
+  <p:tag name="KSO_WM_UNIT_TEXT_FILL_TYPE" val="1"/>
+  <p:tag name="KSO_WM_DIAGRAM_VERSION" val="3"/>
+  <p:tag name="KSO_WM_DIAGRAM_COLOR_TRICK" val="1"/>
+  <p:tag name="KSO_WM_DIAGRAM_COLOR_TEXT_CAN_REMOVE" val="n"/>
+  <p:tag name="KSO_WM_UNIT_SUBTYPE" val="a"/>
+  <p:tag name="KSO_WM_UNIT_PRESET_TEXT" val="Click here to add text"/>
+  <p:tag name="KSO_WM_UNIT_NOCLEAR" val="0"/>
+  <p:tag name="KSO_WM_UNIT_VALUE" val="52"/>
+  <p:tag name="KSO_WM_UNIT_HIGHLIGHT" val="0"/>
+  <p:tag name="KSO_WM_UNIT_COMPATIBLE" val="0"/>
+  <p:tag name="KSO_WM_UNIT_DIAGRAM_ISNUMVISUAL" val="0"/>
+  <p:tag name="KSO_WM_UNIT_DIAGRAM_ISREFERUNIT" val="0"/>
+  <p:tag name="KSO_WM_DIAGRAM_GROUP_CODE" val="n1-1"/>
+  <p:tag name="KSO_WM_UNIT_TYPE" val="n_h_h_f"/>
+  <p:tag name="KSO_WM_UNIT_INDEX" val="1_2_1_1"/>
+  <p:tag name="KSO_WM_UNIT_ID" val="diagram20231635_2*n_h_h_f*1_2_1_1"/>
+  <p:tag name="KSO_WM_TEMPLATE_CATEGORY" val="diagram"/>
+  <p:tag name="KSO_WM_TEMPLATE_INDEX" val="20231635"/>
+  <p:tag name="KSO_WM_UNIT_LAYERLEVEL" val="1_1_1_1"/>
+  <p:tag name="KSO_WM_TAG_VERSION" val="3.0"/>
+  <p:tag name="KSO_WM_DIAGRAM_USE_COLOR_VALUE" val="{&quot;color_scheme&quot;:1,&quot;color_type&quot;:1,&quot;theme_color_indexes&quot;:[]}"/>
+</p:tagLst>
+</file>
+
+<file path=ppt/tags/tag162.xml><?xml version="1.0" encoding="utf-8"?>
+<p:tagLst xmlns:p="http://schemas.openxmlformats.org/presentationml/2006/main">
+  <p:tag name="KSO_WM_DIAGRAM_MAX_ITEMCNT" val="6"/>
+  <p:tag name="KSO_WM_DIAGRAM_MIN_ITEMCNT" val="2"/>
+  <p:tag name="KSO_WM_DIAGRAM_VIRTUALLY_FRAME" val="{&quot;height&quot;:292.56298828125,&quot;left&quot;:59.18637926957736,&quot;top&quot;:123.76854522945378,&quot;width&quot;:841.6631469726562}"/>
+  <p:tag name="KSO_WM_DIAGRAM_COLOR_MATCH_VALUE" val="{&quot;shape&quot;:{&quot;fill&quot;:{&quot;type&quot;:0},&quot;glow&quot;:{&quot;colorType&quot;:0},&quot;line&quot;:{&quot;type&quot;:0},&quot;shadow&quot;:{&quot;colorType&quot;:0},&quot;threeD&quot;:{&quot;curvedSurface&quot;:{&quot;brightness&quot;:0,&quot;colorType&quot;:2,&quot;rgb&quot;:&quot;#000000&quot;},&quot;depth&quot;:{&quot;colorType&quot;:0}}},&quot;text&quot;:{&quot;fill&quot;:{&quot;solid&quot;:{&quot;brightness&quot;:0.15000000596046448,&quot;colorType&quot;:1,&quot;foreColorIndex&quot;:13,&quot;transparency&quot;:0},&quot;type&quot;:1},&quot;glow&quot;:{&quot;colorType&quot;:0},&quot;line&quot;:{&quot;type&quot;:0},&quot;shadow&quot;:{&quot;colorType&quot;:0},&quot;threeD&quot;:{&quot;curvedSurface&quot;:{&quot;brightness&quot;:0,&quot;colorType&quot;:2,&quot;rgb&quot;:&quot;#000000&quot;},&quot;depth&quot;:{&quot;colorType&quot;:0}}}}"/>
+  <p:tag name="KSO_WM_UNIT_TEXT_FILL_FORE_SCHEMECOLOR_INDEX" val="1"/>
+  <p:tag name="KSO_WM_UNIT_TEXT_FILL_TYPE" val="1"/>
+  <p:tag name="KSO_WM_DIAGRAM_VERSION" val="3"/>
+  <p:tag name="KSO_WM_DIAGRAM_COLOR_TRICK" val="1"/>
+  <p:tag name="KSO_WM_DIAGRAM_COLOR_TEXT_CAN_REMOVE" val="n"/>
+  <p:tag name="KSO_WM_UNIT_SUBTYPE" val="a"/>
+  <p:tag name="KSO_WM_UNIT_PRESET_TEXT" val="Click here to add text"/>
+  <p:tag name="KSO_WM_UNIT_NOCLEAR" val="0"/>
+  <p:tag name="KSO_WM_UNIT_VALUE" val="52"/>
+  <p:tag name="KSO_WM_UNIT_HIGHLIGHT" val="0"/>
+  <p:tag name="KSO_WM_UNIT_COMPATIBLE" val="0"/>
+  <p:tag name="KSO_WM_UNIT_DIAGRAM_ISNUMVISUAL" val="0"/>
+  <p:tag name="KSO_WM_UNIT_DIAGRAM_ISREFERUNIT" val="0"/>
+  <p:tag name="KSO_WM_DIAGRAM_GROUP_CODE" val="n1-1"/>
+  <p:tag name="KSO_WM_UNIT_TYPE" val="n_h_h_f"/>
+  <p:tag name="KSO_WM_UNIT_INDEX" val="1_2_2_1"/>
+  <p:tag name="KSO_WM_UNIT_ID" val="diagram20231635_2*n_h_h_f*1_2_2_1"/>
+  <p:tag name="KSO_WM_TEMPLATE_CATEGORY" val="diagram"/>
+  <p:tag name="KSO_WM_TEMPLATE_INDEX" val="20231635"/>
+  <p:tag name="KSO_WM_UNIT_LAYERLEVEL" val="1_1_1_1"/>
+  <p:tag name="KSO_WM_TAG_VERSION" val="3.0"/>
+  <p:tag name="KSO_WM_BEAUTIFY_FLAG" val="#wm#"/>
+  <p:tag name="KSO_WM_DIAGRAM_USE_COLOR_VALUE" val="{&quot;color_scheme&quot;:1,&quot;color_type&quot;:1,&quot;theme_color_indexes&quot;:[]}"/>
+</p:tagLst>
+</file>
+
+<file path=ppt/tags/tag163.xml><?xml version="1.0" encoding="utf-8"?>
+<p:tagLst xmlns:p="http://schemas.openxmlformats.org/presentationml/2006/main">
+  <p:tag name="KSO_WM_DIAGRAM_MAX_ITEMCNT" val="6"/>
+  <p:tag name="KSO_WM_DIAGRAM_MIN_ITEMCNT" val="2"/>
+  <p:tag name="KSO_WM_DIAGRAM_VIRTUALLY_FRAME" val="{&quot;height&quot;:292.56298828125,&quot;left&quot;:59.18637926957736,&quot;top&quot;:123.76854522945378,&quot;width&quot;:841.6631469726562}"/>
+  <p:tag name="KSO_WM_DIAGRAM_COLOR_MATCH_VALUE" val="{&quot;shape&quot;:{&quot;fill&quot;:{&quot;type&quot;:0},&quot;glow&quot;:{&quot;colorType&quot;:0},&quot;line&quot;:{&quot;type&quot;:0},&quot;shadow&quot;:{&quot;colorType&quot;:0},&quot;threeD&quot;:{&quot;curvedSurface&quot;:{&quot;brightness&quot;:0,&quot;colorType&quot;:2,&quot;rgb&quot;:&quot;#000000&quot;},&quot;depth&quot;:{&quot;colorType&quot;:0}}},&quot;text&quot;:{&quot;fill&quot;:{&quot;solid&quot;:{&quot;brightness&quot;:0.15000000596046448,&quot;colorType&quot;:1,&quot;foreColorIndex&quot;:13,&quot;transparency&quot;:0},&quot;type&quot;:1},&quot;glow&quot;:{&quot;colorType&quot;:0},&quot;line&quot;:{&quot;type&quot;:0},&quot;shadow&quot;:{&quot;colorType&quot;:0},&quot;threeD&quot;:{&quot;curvedSurface&quot;:{&quot;brightness&quot;:0,&quot;colorType&quot;:2,&quot;rgb&quot;:&quot;#000000&quot;},&quot;depth&quot;:{&quot;colorType&quot;:0}}}}"/>
+  <p:tag name="KSO_WM_UNIT_TEXT_FILL_FORE_SCHEMECOLOR_INDEX" val="1"/>
+  <p:tag name="KSO_WM_UNIT_TEXT_FILL_TYPE" val="1"/>
+  <p:tag name="KSO_WM_DIAGRAM_VERSION" val="3"/>
+  <p:tag name="KSO_WM_DIAGRAM_COLOR_TRICK" val="1"/>
+  <p:tag name="KSO_WM_DIAGRAM_COLOR_TEXT_CAN_REMOVE" val="n"/>
+  <p:tag name="KSO_WM_UNIT_SUBTYPE" val="a"/>
+  <p:tag name="KSO_WM_UNIT_PRESET_TEXT" val="Click here to add text"/>
+  <p:tag name="KSO_WM_UNIT_NOCLEAR" val="0"/>
+  <p:tag name="KSO_WM_UNIT_VALUE" val="52"/>
+  <p:tag name="KSO_WM_UNIT_HIGHLIGHT" val="0"/>
+  <p:tag name="KSO_WM_UNIT_COMPATIBLE" val="0"/>
+  <p:tag name="KSO_WM_UNIT_DIAGRAM_ISNUMVISUAL" val="0"/>
+  <p:tag name="KSO_WM_UNIT_DIAGRAM_ISREFERUNIT" val="0"/>
+  <p:tag name="KSO_WM_DIAGRAM_GROUP_CODE" val="n1-1"/>
+  <p:tag name="KSO_WM_UNIT_TYPE" val="n_h_h_f"/>
+  <p:tag name="KSO_WM_UNIT_INDEX" val="1_2_3_1"/>
+  <p:tag name="KSO_WM_UNIT_ID" val="diagram20231635_2*n_h_h_f*1_2_3_1"/>
+  <p:tag name="KSO_WM_TEMPLATE_CATEGORY" val="diagram"/>
+  <p:tag name="KSO_WM_TEMPLATE_INDEX" val="20231635"/>
+  <p:tag name="KSO_WM_UNIT_LAYERLEVEL" val="1_1_1_1"/>
+  <p:tag name="KSO_WM_TAG_VERSION" val="3.0"/>
+  <p:tag name="KSO_WM_BEAUTIFY_FLAG" val="#wm#"/>
+  <p:tag name="KSO_WM_DIAGRAM_USE_COLOR_VALUE" val="{&quot;color_scheme&quot;:1,&quot;color_type&quot;:1,&quot;theme_color_indexes&quot;:[]}"/>
+</p:tagLst>
+</file>
+
+<file path=ppt/tags/tag164.xml><?xml version="1.0" encoding="utf-8"?>
+<p:tagLst xmlns:p="http://schemas.openxmlformats.org/presentationml/2006/main">
+  <p:tag name="KSO_WM_BEAUTIFY_FLAG" val="#wm#"/>
+  <p:tag name="KSO_WM_TEMPLATE_CATEGORY" val="custom"/>
+  <p:tag name="KSO_WM_TEMPLATE_INDEX" val="20233299"/>
+  <p:tag name="resource_record_key" val="{&quot;65&quot;:[20238137],&quot;70&quot;:[3318855]}"/>
+</p:tagLst>
+</file>
+
+<file path=ppt/tags/tag165.xml><?xml version="1.0" encoding="utf-8"?>
+<p:tagLst xmlns:p="http://schemas.openxmlformats.org/presentationml/2006/main">
+  <p:tag name="resource_record_key" val="{&quot;65&quot;:[20238137],&quot;70&quot;:[3318855]}"/>
 </p:tagLst>
 </file>
 
